--- a/3.レポート生成/ver1.1/Claude_openjdk_migration_complete_final.pptx
+++ b/3.レポート生成/ver1.1/Claude_openjdk_migration_complete_final.pptx
@@ -4,6 +4,9 @@
   <p:sldMasterIdLst>
     <p:sldMasterId id="2147483648" r:id="rId1"/>
   </p:sldMasterIdLst>
+  <p:notesMasterIdLst>
+    <p:notesMasterId r:id="rId14"/>
+  </p:notesMasterIdLst>
   <p:sldIdLst>
     <p:sldId id="256" r:id="rId2"/>
     <p:sldId id="257" r:id="rId3"/>
@@ -18,10 +21,7 @@
     <p:sldId id="266" r:id="rId12"/>
     <p:sldId id="267" r:id="rId13"/>
   </p:sldIdLst>
-  <p:notesMasterIdLst>
-    <p:notesMasterId r:id="rId14"/>
-  </p:notesMasterIdLst>
-  <p:sldSz cx="9144000" cy="5143500"/>
+  <p:sldSz cx="9144000" cy="5143500" type="screen16x9"/>
   <p:notesSz cx="5143500" cy="9144000"/>
   <p:defaultTextStyle>
     <a:lvl1pPr marL="0" algn="l" defTabSz="914400" rtl="0" eaLnBrk="1" latinLnBrk="0" hangingPunct="1">
@@ -115,6 +115,11 @@
       </a:defRPr>
     </a:lvl9pPr>
   </p:defaultTextStyle>
+  <p:extLst>
+    <p:ext uri="{EFAFB233-063F-42B5-8137-9DF3F51BA10A}">
+      <p15:sldGuideLst xmlns:p15="http://schemas.microsoft.com/office/powerpoint/2012/main"/>
+    </p:ext>
+  </p:extLst>
 </p:presentation>
 </file>
 
@@ -140,241 +145,17 @@
           <a:chExt cx="0" cy="0"/>
         </a:xfrm>
       </p:grpSpPr>
-      <p:sp>
-        <p:nvSpPr>
-          <p:cNvPr id="2" name="Header Placeholder 1"/>
-          <p:cNvSpPr>
-            <a:spLocks noGrp="1"/>
-          </p:cNvSpPr>
-          <p:nvPr>
-            <p:ph type="hdr" sz="quarter"/>
-          </p:nvPr>
-        </p:nvSpPr>
-        <p:spPr>
-          <a:xfrm>
-            <a:off x="0" y="0"/>
-            <a:ext cx="2971800" cy="458788"/>
-          </a:xfrm>
-          <a:prstGeom prst="rect">
-            <a:avLst/>
-          </a:prstGeom>
-        </p:spPr>
-        <p:txBody>
-          <a:bodyPr vert="horz" lIns="91440" tIns="45720" rIns="91440" bIns="45720" rtlCol="0"/>
-          <a:lstStyle>
-            <a:lvl1pPr algn="l">
-              <a:defRPr sz="1200"/>
-            </a:lvl1pPr>
-          </a:lstStyle>
-          <a:p>
-            <a:endParaRPr lang="en-US"/>
-          </a:p>
-        </p:txBody>
-      </p:sp>
-      <p:sp>
-        <p:nvSpPr>
-          <p:cNvPr id="3" name="Date Placeholder 2"/>
-          <p:cNvSpPr>
-            <a:spLocks noGrp="1"/>
-          </p:cNvSpPr>
-          <p:nvPr>
-            <p:ph type="dt" idx="1"/>
-          </p:nvPr>
-        </p:nvSpPr>
-        <p:spPr>
-          <a:xfrm>
-            <a:off x="3884613" y="0"/>
-            <a:ext cx="2971800" cy="458788"/>
-          </a:xfrm>
-          <a:prstGeom prst="rect">
-            <a:avLst/>
-          </a:prstGeom>
-        </p:spPr>
-        <p:txBody>
-          <a:bodyPr vert="horz" lIns="91440" tIns="45720" rIns="91440" bIns="45720" rtlCol="0"/>
-          <a:lstStyle>
-            <a:lvl1pPr algn="r">
-              <a:defRPr sz="1200"/>
-            </a:lvl1pPr>
-          </a:lstStyle>
-          <a:p>
-            <a:fld id="{5282F153-3F37-0F45-9E97-73ACFA13230C}" type="datetimeFigureOut">
-              <a:rPr lang="en-US"/>
-              <a:t>7/23/19</a:t>
-            </a:fld>
-            <a:endParaRPr lang="en-US"/>
-          </a:p>
-        </p:txBody>
-      </p:sp>
-      <p:sp>
-        <p:nvSpPr>
-          <p:cNvPr id="4" name="Slide Image Placeholder 3"/>
-          <p:cNvSpPr>
-            <a:spLocks noGrp="1" noRot="1" noChangeAspect="1"/>
-          </p:cNvSpPr>
-          <p:nvPr>
-            <p:ph type="sldImg" idx="2"/>
-          </p:nvPr>
-        </p:nvSpPr>
-        <p:spPr>
-          <a:xfrm>
-            <a:off x="685800" y="1143000"/>
-            <a:ext cx="5486400" cy="3086100"/>
-          </a:xfrm>
-          <a:prstGeom prst="rect">
-            <a:avLst/>
-          </a:prstGeom>
-          <a:noFill/>
-          <a:ln w="12700">
-            <a:solidFill>
-              <a:prstClr val="black"/>
-            </a:solidFill>
-          </a:ln>
-        </p:spPr>
-        <p:txBody>
-          <a:bodyPr vert="horz" lIns="91440" tIns="45720" rIns="91440" bIns="45720" rtlCol="0" anchor="ctr"/>
-          <a:lstStyle/>
-          <a:p>
-            <a:endParaRPr lang="en-US"/>
-          </a:p>
-        </p:txBody>
-      </p:sp>
-      <p:sp>
-        <p:nvSpPr>
-          <p:cNvPr id="5" name="Notes Placeholder 4"/>
-          <p:cNvSpPr>
-            <a:spLocks noGrp="1"/>
-          </p:cNvSpPr>
-          <p:nvPr>
-            <p:ph type="body" sz="quarter" idx="3"/>
-          </p:nvPr>
-        </p:nvSpPr>
-        <p:spPr>
-          <a:xfrm>
-            <a:off x="685800" y="4400550"/>
-            <a:ext cx="5486400" cy="3600450"/>
-          </a:xfrm>
-          <a:prstGeom prst="rect">
-            <a:avLst/>
-          </a:prstGeom>
-        </p:spPr>
-        <p:txBody>
-          <a:bodyPr vert="horz" lIns="91440" tIns="45720" rIns="91440" bIns="45720" rtlCol="0"/>
-          <a:lstStyle/>
-          <a:p>
-            <a:pPr lvl="0"/>
-            <a:r>
-              <a:rPr lang="en-US"/>
-              <a:t>Click to edit Master text styles</a:t>
-            </a:r>
-          </a:p>
-          <a:p>
-            <a:pPr lvl="1"/>
-            <a:r>
-              <a:rPr lang="en-US"/>
-              <a:t>Second level</a:t>
-            </a:r>
-          </a:p>
-          <a:p>
-            <a:pPr lvl="2"/>
-            <a:r>
-              <a:rPr lang="en-US"/>
-              <a:t>Third level</a:t>
-            </a:r>
-          </a:p>
-          <a:p>
-            <a:pPr lvl="3"/>
-            <a:r>
-              <a:rPr lang="en-US"/>
-              <a:t>Fourth level</a:t>
-            </a:r>
-          </a:p>
-          <a:p>
-            <a:pPr lvl="4"/>
-            <a:r>
-              <a:rPr lang="en-US"/>
-              <a:t>Fifth level</a:t>
-            </a:r>
-          </a:p>
-        </p:txBody>
-      </p:sp>
-      <p:sp>
-        <p:nvSpPr>
-          <p:cNvPr id="6" name="Footer Placeholder 5"/>
-          <p:cNvSpPr>
-            <a:spLocks noGrp="1"/>
-          </p:cNvSpPr>
-          <p:nvPr>
-            <p:ph type="ftr" sz="quarter" idx="4"/>
-          </p:nvPr>
-        </p:nvSpPr>
-        <p:spPr>
-          <a:xfrm>
-            <a:off x="0" y="8685213"/>
-            <a:ext cx="2971800" cy="458787"/>
-          </a:xfrm>
-          <a:prstGeom prst="rect">
-            <a:avLst/>
-          </a:prstGeom>
-        </p:spPr>
-        <p:txBody>
-          <a:bodyPr vert="horz" lIns="91440" tIns="45720" rIns="91440" bIns="45720" rtlCol="0" anchor="b"/>
-          <a:lstStyle>
-            <a:lvl1pPr algn="l">
-              <a:defRPr sz="1200"/>
-            </a:lvl1pPr>
-          </a:lstStyle>
-          <a:p>
-            <a:endParaRPr lang="en-US"/>
-          </a:p>
-        </p:txBody>
-      </p:sp>
-      <p:sp>
-        <p:nvSpPr>
-          <p:cNvPr id="7" name="Slide Number Placeholder 6"/>
-          <p:cNvSpPr>
-            <a:spLocks noGrp="1"/>
-          </p:cNvSpPr>
-          <p:nvPr>
-            <p:ph type="sldNum" sz="quarter" idx="5"/>
-          </p:nvPr>
-        </p:nvSpPr>
-        <p:spPr>
-          <a:xfrm>
-            <a:off x="3884613" y="8685213"/>
-            <a:ext cx="2971800" cy="458787"/>
-          </a:xfrm>
-          <a:prstGeom prst="rect">
-            <a:avLst/>
-          </a:prstGeom>
-        </p:spPr>
-        <p:txBody>
-          <a:bodyPr vert="horz" lIns="91440" tIns="45720" rIns="91440" bIns="45720" rtlCol="0" anchor="b"/>
-          <a:lstStyle>
-            <a:lvl1pPr algn="r">
-              <a:defRPr sz="1200"/>
-            </a:lvl1pPr>
-          </a:lstStyle>
-          <a:p>
-            <a:fld id="{CE5E9CC1-C706-0F49-92D6-E571CC5EEA8F}" type="slidenum">
-              <a:rPr lang="en-US"/>
-              <a:t>‹#›</a:t>
-            </a:fld>
-            <a:endParaRPr lang="en-US"/>
-          </a:p>
-        </p:txBody>
-      </p:sp>
     </p:spTree>
     <p:extLst>
       <p:ext uri="{BB962C8B-B14F-4D97-AF65-F5344CB8AC3E}">
-        <p14:creationId xmlns:p14="http://schemas.microsoft.com/office/powerpoint/2010/main" val="1024086991"/>
+        <p14:creationId xmlns:p14="http://schemas.microsoft.com/office/powerpoint/2010/main" val="3700644685"/>
       </p:ext>
     </p:extLst>
   </p:cSld>
   <p:clrMap bg1="lt1" tx1="dk1" bg2="lt2" tx2="dk2" accent1="accent1" accent2="accent2" accent3="accent3" accent4="accent4" accent5="accent5" accent6="accent6" hlink="hlink" folHlink="folHlink"/>
   <p:notesStyle>
     <a:lvl1pPr marL="0" algn="l" defTabSz="914400" rtl="0" eaLnBrk="1" latinLnBrk="0" hangingPunct="1">
-      <a:defRPr sz="1200" kern="1200">
+      <a:defRPr kumimoji="1" sz="1200" kern="1200">
         <a:solidFill>
           <a:schemeClr val="tx1"/>
         </a:solidFill>
@@ -384,7 +165,7 @@
       </a:defRPr>
     </a:lvl1pPr>
     <a:lvl2pPr marL="457200" algn="l" defTabSz="914400" rtl="0" eaLnBrk="1" latinLnBrk="0" hangingPunct="1">
-      <a:defRPr sz="1200" kern="1200">
+      <a:defRPr kumimoji="1" sz="1200" kern="1200">
         <a:solidFill>
           <a:schemeClr val="tx1"/>
         </a:solidFill>
@@ -394,7 +175,7 @@
       </a:defRPr>
     </a:lvl2pPr>
     <a:lvl3pPr marL="914400" algn="l" defTabSz="914400" rtl="0" eaLnBrk="1" latinLnBrk="0" hangingPunct="1">
-      <a:defRPr sz="1200" kern="1200">
+      <a:defRPr kumimoji="1" sz="1200" kern="1200">
         <a:solidFill>
           <a:schemeClr val="tx1"/>
         </a:solidFill>
@@ -404,7 +185,7 @@
       </a:defRPr>
     </a:lvl3pPr>
     <a:lvl4pPr marL="1371600" algn="l" defTabSz="914400" rtl="0" eaLnBrk="1" latinLnBrk="0" hangingPunct="1">
-      <a:defRPr sz="1200" kern="1200">
+      <a:defRPr kumimoji="1" sz="1200" kern="1200">
         <a:solidFill>
           <a:schemeClr val="tx1"/>
         </a:solidFill>
@@ -414,7 +195,7 @@
       </a:defRPr>
     </a:lvl4pPr>
     <a:lvl5pPr marL="1828800" algn="l" defTabSz="914400" rtl="0" eaLnBrk="1" latinLnBrk="0" hangingPunct="1">
-      <a:defRPr sz="1200" kern="1200">
+      <a:defRPr kumimoji="1" sz="1200" kern="1200">
         <a:solidFill>
           <a:schemeClr val="tx1"/>
         </a:solidFill>
@@ -424,7 +205,7 @@
       </a:defRPr>
     </a:lvl5pPr>
     <a:lvl6pPr marL="2286000" algn="l" defTabSz="914400" rtl="0" eaLnBrk="1" latinLnBrk="0" hangingPunct="1">
-      <a:defRPr sz="1200" kern="1200">
+      <a:defRPr kumimoji="1" sz="1200" kern="1200">
         <a:solidFill>
           <a:schemeClr val="tx1"/>
         </a:solidFill>
@@ -434,7 +215,7 @@
       </a:defRPr>
     </a:lvl6pPr>
     <a:lvl7pPr marL="2743200" algn="l" defTabSz="914400" rtl="0" eaLnBrk="1" latinLnBrk="0" hangingPunct="1">
-      <a:defRPr sz="1200" kern="1200">
+      <a:defRPr kumimoji="1" sz="1200" kern="1200">
         <a:solidFill>
           <a:schemeClr val="tx1"/>
         </a:solidFill>
@@ -444,7 +225,7 @@
       </a:defRPr>
     </a:lvl7pPr>
     <a:lvl8pPr marL="3200400" algn="l" defTabSz="914400" rtl="0" eaLnBrk="1" latinLnBrk="0" hangingPunct="1">
-      <a:defRPr sz="1200" kern="1200">
+      <a:defRPr kumimoji="1" sz="1200" kern="1200">
         <a:solidFill>
           <a:schemeClr val="tx1"/>
         </a:solidFill>
@@ -454,7 +235,7 @@
       </a:defRPr>
     </a:lvl8pPr>
     <a:lvl9pPr marL="3657600" algn="l" defTabSz="914400" rtl="0" eaLnBrk="1" latinLnBrk="0" hangingPunct="1">
-      <a:defRPr sz="1200" kern="1200">
+      <a:defRPr kumimoji="1" sz="1200" kern="1200">
         <a:solidFill>
           <a:schemeClr val="tx1"/>
         </a:solidFill>
@@ -511,10 +292,6 @@
           <a:bodyPr/>
           <a:lstStyle/>
           <a:p>
-            <a:r>
-              <a:rPr lang="en-US" dirty="0"/>
-              <a:t/>
-            </a:r>
             <a:endParaRPr lang="en-US" dirty="0"/>
           </a:p>
         </p:txBody>
@@ -599,10 +376,6 @@
           <a:bodyPr/>
           <a:lstStyle/>
           <a:p>
-            <a:r>
-              <a:rPr lang="en-US" dirty="0"/>
-              <a:t/>
-            </a:r>
             <a:endParaRPr lang="en-US" dirty="0"/>
           </a:p>
         </p:txBody>
@@ -687,10 +460,6 @@
           <a:bodyPr/>
           <a:lstStyle/>
           <a:p>
-            <a:r>
-              <a:rPr lang="en-US" dirty="0"/>
-              <a:t/>
-            </a:r>
             <a:endParaRPr lang="en-US" dirty="0"/>
           </a:p>
         </p:txBody>
@@ -775,10 +544,6 @@
           <a:bodyPr/>
           <a:lstStyle/>
           <a:p>
-            <a:r>
-              <a:rPr lang="en-US" dirty="0"/>
-              <a:t/>
-            </a:r>
             <a:endParaRPr lang="en-US" dirty="0"/>
           </a:p>
         </p:txBody>
@@ -863,10 +628,6 @@
           <a:bodyPr/>
           <a:lstStyle/>
           <a:p>
-            <a:r>
-              <a:rPr lang="en-US" dirty="0"/>
-              <a:t/>
-            </a:r>
             <a:endParaRPr lang="en-US" dirty="0"/>
           </a:p>
         </p:txBody>
@@ -951,10 +712,6 @@
           <a:bodyPr/>
           <a:lstStyle/>
           <a:p>
-            <a:r>
-              <a:rPr lang="en-US" dirty="0"/>
-              <a:t/>
-            </a:r>
             <a:endParaRPr lang="en-US" dirty="0"/>
           </a:p>
         </p:txBody>
@@ -1039,10 +796,6 @@
           <a:bodyPr/>
           <a:lstStyle/>
           <a:p>
-            <a:r>
-              <a:rPr lang="en-US" dirty="0"/>
-              <a:t/>
-            </a:r>
             <a:endParaRPr lang="en-US" dirty="0"/>
           </a:p>
         </p:txBody>
@@ -1127,10 +880,6 @@
           <a:bodyPr/>
           <a:lstStyle/>
           <a:p>
-            <a:r>
-              <a:rPr lang="en-US" dirty="0"/>
-              <a:t/>
-            </a:r>
             <a:endParaRPr lang="en-US" dirty="0"/>
           </a:p>
         </p:txBody>
@@ -1215,10 +964,6 @@
           <a:bodyPr/>
           <a:lstStyle/>
           <a:p>
-            <a:r>
-              <a:rPr lang="en-US" dirty="0"/>
-              <a:t/>
-            </a:r>
             <a:endParaRPr lang="en-US" dirty="0"/>
           </a:p>
         </p:txBody>
@@ -1303,10 +1048,6 @@
           <a:bodyPr/>
           <a:lstStyle/>
           <a:p>
-            <a:r>
-              <a:rPr lang="en-US" dirty="0"/>
-              <a:t/>
-            </a:r>
             <a:endParaRPr lang="en-US" dirty="0"/>
           </a:p>
         </p:txBody>
@@ -1391,10 +1132,6 @@
           <a:bodyPr/>
           <a:lstStyle/>
           <a:p>
-            <a:r>
-              <a:rPr lang="en-US" dirty="0"/>
-              <a:t/>
-            </a:r>
             <a:endParaRPr lang="en-US" dirty="0"/>
           </a:p>
         </p:txBody>
@@ -1479,10 +1216,6 @@
           <a:bodyPr/>
           <a:lstStyle/>
           <a:p>
-            <a:r>
-              <a:rPr lang="en-US" dirty="0"/>
-              <a:t/>
-            </a:r>
             <a:endParaRPr lang="en-US" dirty="0"/>
           </a:p>
         </p:txBody>
@@ -1556,6 +1289,11 @@
 <file path=ppt/slideMasters/slideMaster1.xml><?xml version="1.0" encoding="utf-8"?>
 <p:sldMaster xmlns:a="http://schemas.openxmlformats.org/drawingml/2006/main" xmlns:r="http://schemas.openxmlformats.org/officeDocument/2006/relationships" xmlns:p="http://schemas.openxmlformats.org/presentationml/2006/main">
   <p:cSld>
+    <p:bg>
+      <p:bgRef idx="1001">
+        <a:schemeClr val="bg1"/>
+      </p:bgRef>
+    </p:bg>
     <p:spTree>
       <p:nvGrpSpPr>
         <p:cNvPr id="1" name=""/>
@@ -1838,6 +1576,7 @@
         <a:solidFill>
           <a:srgbClr val="1C2833"/>
         </a:solidFill>
+        <a:effectLst/>
       </p:bgPr>
     </p:bg>
     <p:spTree>
@@ -1875,7 +1614,7 @@
           <a:bodyPr wrap="square" lIns="0" tIns="0" rIns="0" bIns="0" rtlCol="0" anchor="t"/>
           <a:lstStyle/>
           <a:p>
-            <a:pPr algn="ctr" indent="0" marL="0">
+            <a:pPr marL="0" indent="0" algn="ctr">
               <a:spcAft>
                 <a:spcPts val="1000"/>
               </a:spcAft>
@@ -1917,7 +1656,7 @@
           <a:bodyPr wrap="square" lIns="0" tIns="0" rIns="0" bIns="0" rtlCol="0" anchor="t"/>
           <a:lstStyle/>
           <a:p>
-            <a:pPr algn="ctr" indent="0" marL="0">
+            <a:pPr marL="0" indent="0" algn="ctr">
               <a:spcAft>
                 <a:spcPts val="2000"/>
               </a:spcAft>
@@ -1961,7 +1700,7 @@
           <a:bodyPr wrap="square" rtlCol="0" anchor="ctr"/>
           <a:lstStyle/>
           <a:p>
-            <a:pPr indent="0" marL="0">
+            <a:pPr marL="0" indent="0">
               <a:buNone/>
             </a:pPr>
             <a:endParaRPr lang="en-US" dirty="0"/>
@@ -1989,7 +1728,7 @@
           <a:bodyPr wrap="square" lIns="0" tIns="0" rIns="0" bIns="0" rtlCol="0" anchor="t"/>
           <a:lstStyle/>
           <a:p>
-            <a:pPr algn="ctr" indent="0" marL="0">
+            <a:pPr marL="0" indent="0" algn="ctr">
               <a:spcBef>
                 <a:spcPts val="2400"/>
               </a:spcBef>
@@ -2034,7 +1773,7 @@
           <a:bodyPr wrap="square" lIns="0" tIns="0" rIns="0" bIns="0" rtlCol="0" anchor="t"/>
           <a:lstStyle/>
           <a:p>
-            <a:pPr algn="ctr" indent="0" marL="0">
+            <a:pPr marL="0" indent="0" algn="ctr">
               <a:spcBef>
                 <a:spcPts val="4000"/>
               </a:spcBef>
@@ -2074,6 +1813,7 @@
         <a:solidFill>
           <a:srgbClr val="F4F6F6"/>
         </a:solidFill>
+        <a:effectLst/>
       </p:bgPr>
     </p:bg>
     <p:spTree>
@@ -2113,7 +1853,7 @@
           <a:bodyPr wrap="square" rtlCol="0" anchor="ctr"/>
           <a:lstStyle/>
           <a:p>
-            <a:pPr indent="0" marL="0">
+            <a:pPr marL="0" indent="0">
               <a:buNone/>
             </a:pPr>
             <a:endParaRPr lang="en-US" dirty="0"/>
@@ -2141,7 +1881,7 @@
           <a:bodyPr wrap="square" lIns="0" tIns="0" rIns="0" bIns="0" rtlCol="0" anchor="t"/>
           <a:lstStyle/>
           <a:p>
-            <a:pPr algn="l" indent="0" marL="0">
+            <a:pPr marL="0" indent="0" algn="l">
               <a:buNone/>
             </a:pPr>
             <a:r>
@@ -2180,7 +1920,7 @@
           </a:solidFill>
           <a:ln/>
           <a:effectLst>
-            <a:outerShdw sx="100000" sy="100000" kx="0" ky="0" algn="bl" rotWithShape="0" blurRad="38100" dist="19050" dir="5400000">
+            <a:outerShdw blurRad="38100" dist="19050" dir="5400000" algn="bl" rotWithShape="0">
               <a:srgbClr val="000000">
                 <a:alpha val="10000"/>
               </a:srgbClr>
@@ -2191,7 +1931,7 @@
           <a:bodyPr wrap="square" rtlCol="0" anchor="ctr"/>
           <a:lstStyle/>
           <a:p>
-            <a:pPr indent="0" marL="0">
+            <a:pPr marL="0" indent="0">
               <a:buNone/>
             </a:pPr>
             <a:endParaRPr lang="en-US" dirty="0"/>
@@ -2221,7 +1961,7 @@
           <a:bodyPr wrap="square" rtlCol="0" anchor="ctr"/>
           <a:lstStyle/>
           <a:p>
-            <a:pPr indent="0" marL="0">
+            <a:pPr marL="0" indent="0">
               <a:buNone/>
             </a:pPr>
             <a:endParaRPr lang="en-US" dirty="0"/>
@@ -2249,7 +1989,7 @@
           <a:bodyPr wrap="square" lIns="0" tIns="0" rIns="0" bIns="0" rtlCol="0" anchor="t"/>
           <a:lstStyle/>
           <a:p>
-            <a:pPr algn="l" indent="0" marL="0">
+            <a:pPr marL="0" indent="0" algn="l">
               <a:buNone/>
             </a:pPr>
             <a:r>
@@ -2288,7 +2028,7 @@
           <a:bodyPr wrap="square" lIns="0" tIns="0" rIns="0" bIns="0" rtlCol="0" anchor="t"/>
           <a:lstStyle/>
           <a:p>
-            <a:pPr algn="l" indent="0" marL="0">
+            <a:pPr marL="0" indent="0" algn="l">
               <a:buNone/>
             </a:pPr>
             <a:r>
@@ -2327,7 +2067,7 @@
           <a:bodyPr wrap="square" lIns="0" tIns="0" rIns="0" bIns="0" rtlCol="0" anchor="t"/>
           <a:lstStyle/>
           <a:p>
-            <a:pPr algn="l" indent="0" marL="0">
+            <a:pPr marL="0" indent="0" algn="l">
               <a:spcAft>
                 <a:spcPts val="200"/>
               </a:spcAft>
@@ -2369,7 +2109,7 @@
           <a:bodyPr wrap="square" lIns="0" tIns="0" rIns="0" bIns="0" rtlCol="0" anchor="t"/>
           <a:lstStyle/>
           <a:p>
-            <a:pPr algn="l" indent="0" marL="0">
+            <a:pPr marL="0" indent="0" algn="l">
               <a:lnSpc>
                 <a:spcPts val="1080"/>
               </a:lnSpc>
@@ -2386,12 +2126,6 @@
               </a:rPr>
               <a:t>.example.com</a:t>
             </a:r>
-            <a:pPr algn="l" indent="0" marL="0">
-              <a:lnSpc>
-                <a:spcPts val="1080"/>
-              </a:lnSpc>
-              <a:buNone/>
-            </a:pPr>
             <a:r>
               <a:rPr lang="en-US" sz="900" dirty="0">
                 <a:solidFill>
@@ -2428,7 +2162,7 @@
           <a:bodyPr wrap="square" lIns="0" tIns="0" rIns="0" bIns="0" rtlCol="0" anchor="t"/>
           <a:lstStyle/>
           <a:p>
-            <a:pPr algn="l" indent="0" marL="0">
+            <a:pPr marL="0" indent="0" algn="l">
               <a:spcAft>
                 <a:spcPts val="200"/>
               </a:spcAft>
@@ -2470,7 +2204,7 @@
           <a:bodyPr wrap="square" lIns="0" tIns="0" rIns="0" bIns="0" rtlCol="0" anchor="t"/>
           <a:lstStyle/>
           <a:p>
-            <a:pPr algn="l" indent="0" marL="0">
+            <a:pPr marL="0" indent="0" algn="l">
               <a:lnSpc>
                 <a:spcPts val="1080"/>
               </a:lnSpc>
@@ -2512,7 +2246,7 @@
           </a:solidFill>
           <a:ln/>
           <a:effectLst>
-            <a:outerShdw sx="100000" sy="100000" kx="0" ky="0" algn="bl" rotWithShape="0" blurRad="38100" dist="19050" dir="5400000">
+            <a:outerShdw blurRad="38100" dist="19050" dir="5400000" algn="bl" rotWithShape="0">
               <a:srgbClr val="000000">
                 <a:alpha val="10000"/>
               </a:srgbClr>
@@ -2523,7 +2257,7 @@
           <a:bodyPr wrap="square" rtlCol="0" anchor="ctr"/>
           <a:lstStyle/>
           <a:p>
-            <a:pPr indent="0" marL="0">
+            <a:pPr marL="0" indent="0">
               <a:buNone/>
             </a:pPr>
             <a:endParaRPr lang="en-US" dirty="0"/>
@@ -2553,7 +2287,7 @@
           <a:bodyPr wrap="square" rtlCol="0" anchor="ctr"/>
           <a:lstStyle/>
           <a:p>
-            <a:pPr indent="0" marL="0">
+            <a:pPr marL="0" indent="0">
               <a:buNone/>
             </a:pPr>
             <a:endParaRPr lang="en-US" dirty="0"/>
@@ -2581,7 +2315,7 @@
           <a:bodyPr wrap="square" lIns="0" tIns="0" rIns="0" bIns="0" rtlCol="0" anchor="t"/>
           <a:lstStyle/>
           <a:p>
-            <a:pPr algn="l" indent="0" marL="0">
+            <a:pPr marL="0" indent="0" algn="l">
               <a:buNone/>
             </a:pPr>
             <a:r>
@@ -2620,7 +2354,7 @@
           <a:bodyPr wrap="square" lIns="0" tIns="0" rIns="0" bIns="0" rtlCol="0" anchor="t"/>
           <a:lstStyle/>
           <a:p>
-            <a:pPr algn="l" indent="0" marL="0">
+            <a:pPr marL="0" indent="0" algn="l">
               <a:buNone/>
             </a:pPr>
             <a:r>
@@ -2659,7 +2393,7 @@
           <a:bodyPr wrap="square" lIns="0" tIns="0" rIns="0" bIns="0" rtlCol="0" anchor="t"/>
           <a:lstStyle/>
           <a:p>
-            <a:pPr algn="l" indent="0" marL="0">
+            <a:pPr marL="0" indent="0" algn="l">
               <a:spcAft>
                 <a:spcPts val="200"/>
               </a:spcAft>
@@ -2701,7 +2435,7 @@
           <a:bodyPr wrap="square" lIns="0" tIns="0" rIns="0" bIns="0" rtlCol="0" anchor="t"/>
           <a:lstStyle/>
           <a:p>
-            <a:pPr algn="l" indent="0" marL="0">
+            <a:pPr marL="0" indent="0" algn="l">
               <a:lnSpc>
                 <a:spcPts val="1080"/>
               </a:lnSpc>
@@ -2718,12 +2452,6 @@
               </a:rPr>
               <a:t>NullPointerException</a:t>
             </a:r>
-            <a:pPr algn="l" indent="0" marL="0">
-              <a:lnSpc>
-                <a:spcPts val="1080"/>
-              </a:lnSpc>
-              <a:buNone/>
-            </a:pPr>
             <a:r>
               <a:rPr lang="en-US" sz="900" dirty="0">
                 <a:solidFill>
@@ -2735,12 +2463,6 @@
               </a:rPr>
               <a:t>→</a:t>
             </a:r>
-            <a:pPr algn="l" indent="0" marL="0">
-              <a:lnSpc>
-                <a:spcPts val="1080"/>
-              </a:lnSpc>
-              <a:buNone/>
-            </a:pPr>
             <a:r>
               <a:rPr lang="en-US" sz="900" b="1" dirty="0">
                 <a:solidFill>
@@ -2752,12 +2474,6 @@
               </a:rPr>
               <a:t>null</a:t>
             </a:r>
-            <a:pPr algn="l" indent="0" marL="0">
-              <a:lnSpc>
-                <a:spcPts val="1080"/>
-              </a:lnSpc>
-              <a:buNone/>
-            </a:pPr>
             <a:r>
               <a:rPr lang="en-US" sz="900" dirty="0">
                 <a:solidFill>
@@ -2794,7 +2510,7 @@
           <a:bodyPr wrap="square" lIns="0" tIns="0" rIns="0" bIns="0" rtlCol="0" anchor="t"/>
           <a:lstStyle/>
           <a:p>
-            <a:pPr algn="l" indent="0" marL="0">
+            <a:pPr marL="0" indent="0" algn="l">
               <a:spcAft>
                 <a:spcPts val="200"/>
               </a:spcAft>
@@ -2836,7 +2552,7 @@
           <a:bodyPr wrap="square" lIns="0" tIns="0" rIns="0" bIns="0" rtlCol="0" anchor="t"/>
           <a:lstStyle/>
           <a:p>
-            <a:pPr algn="l" indent="0" marL="0">
+            <a:pPr marL="0" indent="0" algn="l">
               <a:lnSpc>
                 <a:spcPts val="1080"/>
               </a:lnSpc>
@@ -2878,7 +2594,7 @@
           </a:solidFill>
           <a:ln/>
           <a:effectLst>
-            <a:outerShdw sx="100000" sy="100000" kx="0" ky="0" algn="bl" rotWithShape="0" blurRad="38100" dist="19050" dir="5400000">
+            <a:outerShdw blurRad="38100" dist="19050" dir="5400000" algn="bl" rotWithShape="0">
               <a:srgbClr val="000000">
                 <a:alpha val="10000"/>
               </a:srgbClr>
@@ -2889,7 +2605,7 @@
           <a:bodyPr wrap="square" rtlCol="0" anchor="ctr"/>
           <a:lstStyle/>
           <a:p>
-            <a:pPr indent="0" marL="0">
+            <a:pPr marL="0" indent="0">
               <a:buNone/>
             </a:pPr>
             <a:endParaRPr lang="en-US" dirty="0"/>
@@ -2919,7 +2635,7 @@
           <a:bodyPr wrap="square" rtlCol="0" anchor="ctr"/>
           <a:lstStyle/>
           <a:p>
-            <a:pPr indent="0" marL="0">
+            <a:pPr marL="0" indent="0">
               <a:buNone/>
             </a:pPr>
             <a:endParaRPr lang="en-US" dirty="0"/>
@@ -2947,7 +2663,7 @@
           <a:bodyPr wrap="square" lIns="0" tIns="0" rIns="0" bIns="0" rtlCol="0" anchor="t"/>
           <a:lstStyle/>
           <a:p>
-            <a:pPr algn="l" indent="0" marL="0">
+            <a:pPr marL="0" indent="0" algn="l">
               <a:buNone/>
             </a:pPr>
             <a:r>
@@ -2986,7 +2702,7 @@
           <a:bodyPr wrap="square" lIns="0" tIns="0" rIns="0" bIns="0" rtlCol="0" anchor="t"/>
           <a:lstStyle/>
           <a:p>
-            <a:pPr algn="l" indent="0" marL="0">
+            <a:pPr marL="0" indent="0" algn="l">
               <a:buNone/>
             </a:pPr>
             <a:r>
@@ -3025,7 +2741,7 @@
           <a:bodyPr wrap="square" lIns="0" tIns="0" rIns="0" bIns="0" rtlCol="0" anchor="t"/>
           <a:lstStyle/>
           <a:p>
-            <a:pPr algn="l" indent="0" marL="0">
+            <a:pPr marL="0" indent="0" algn="l">
               <a:spcAft>
                 <a:spcPts val="200"/>
               </a:spcAft>
@@ -3067,7 +2783,7 @@
           <a:bodyPr wrap="square" lIns="0" tIns="0" rIns="0" bIns="0" rtlCol="0" anchor="t"/>
           <a:lstStyle/>
           <a:p>
-            <a:pPr algn="l" indent="0" marL="0">
+            <a:pPr marL="0" indent="0" algn="l">
               <a:lnSpc>
                 <a:spcPts val="1080"/>
               </a:lnSpc>
@@ -3109,7 +2825,7 @@
           <a:bodyPr wrap="square" lIns="0" tIns="0" rIns="0" bIns="0" rtlCol="0" anchor="t"/>
           <a:lstStyle/>
           <a:p>
-            <a:pPr algn="l" indent="0" marL="0">
+            <a:pPr marL="0" indent="0" algn="l">
               <a:spcAft>
                 <a:spcPts val="200"/>
               </a:spcAft>
@@ -3151,7 +2867,7 @@
           <a:bodyPr wrap="square" lIns="0" tIns="0" rIns="0" bIns="0" rtlCol="0" anchor="t"/>
           <a:lstStyle/>
           <a:p>
-            <a:pPr algn="l" indent="0" marL="0">
+            <a:pPr marL="0" indent="0" algn="l">
               <a:lnSpc>
                 <a:spcPts val="1080"/>
               </a:lnSpc>
@@ -3193,7 +2909,7 @@
           </a:solidFill>
           <a:ln/>
           <a:effectLst>
-            <a:outerShdw sx="100000" sy="100000" kx="0" ky="0" algn="bl" rotWithShape="0" blurRad="38100" dist="19050" dir="5400000">
+            <a:outerShdw blurRad="38100" dist="19050" dir="5400000" algn="bl" rotWithShape="0">
               <a:srgbClr val="000000">
                 <a:alpha val="10000"/>
               </a:srgbClr>
@@ -3204,7 +2920,7 @@
           <a:bodyPr wrap="square" rtlCol="0" anchor="ctr"/>
           <a:lstStyle/>
           <a:p>
-            <a:pPr indent="0" marL="0">
+            <a:pPr marL="0" indent="0">
               <a:buNone/>
             </a:pPr>
             <a:endParaRPr lang="en-US" dirty="0"/>
@@ -3234,7 +2950,7 @@
           <a:bodyPr wrap="square" rtlCol="0" anchor="ctr"/>
           <a:lstStyle/>
           <a:p>
-            <a:pPr indent="0" marL="0">
+            <a:pPr marL="0" indent="0">
               <a:buNone/>
             </a:pPr>
             <a:endParaRPr lang="en-US" dirty="0"/>
@@ -3262,7 +2978,7 @@
           <a:bodyPr wrap="square" lIns="0" tIns="0" rIns="0" bIns="0" rtlCol="0" anchor="t"/>
           <a:lstStyle/>
           <a:p>
-            <a:pPr algn="l" indent="0" marL="0">
+            <a:pPr marL="0" indent="0" algn="l">
               <a:buNone/>
             </a:pPr>
             <a:r>
@@ -3301,7 +3017,7 @@
           <a:bodyPr wrap="square" lIns="0" tIns="0" rIns="0" bIns="0" rtlCol="0" anchor="t"/>
           <a:lstStyle/>
           <a:p>
-            <a:pPr algn="l" indent="0" marL="0">
+            <a:pPr marL="0" indent="0" algn="l">
               <a:buNone/>
             </a:pPr>
             <a:r>
@@ -3340,7 +3056,7 @@
           <a:bodyPr wrap="square" lIns="0" tIns="0" rIns="0" bIns="0" rtlCol="0" anchor="t"/>
           <a:lstStyle/>
           <a:p>
-            <a:pPr algn="l" indent="0" marL="0">
+            <a:pPr marL="0" indent="0" algn="l">
               <a:lnSpc>
                 <a:spcPts val="1080"/>
               </a:lnSpc>
@@ -3382,7 +3098,7 @@
           <a:bodyPr wrap="square" lIns="0" tIns="0" rIns="0" bIns="0" rtlCol="0" anchor="t"/>
           <a:lstStyle/>
           <a:p>
-            <a:pPr algn="l" indent="0" marL="0">
+            <a:pPr marL="0" indent="0" algn="l">
               <a:lnSpc>
                 <a:spcPts val="1080"/>
               </a:lnSpc>
@@ -3424,7 +3140,7 @@
           <a:bodyPr wrap="square" rtlCol="0" anchor="ctr"/>
           <a:lstStyle/>
           <a:p>
-            <a:pPr algn="ctr" indent="0" marL="0">
+            <a:pPr marL="0" indent="0" algn="ctr">
               <a:buNone/>
             </a:pPr>
             <a:r>
@@ -3455,6 +3171,7 @@
         <a:solidFill>
           <a:srgbClr val="F4F6F6"/>
         </a:solidFill>
+        <a:effectLst/>
       </p:bgPr>
     </p:bg>
     <p:spTree>
@@ -3494,7 +3211,7 @@
           <a:bodyPr wrap="square" rtlCol="0" anchor="ctr"/>
           <a:lstStyle/>
           <a:p>
-            <a:pPr indent="0" marL="0">
+            <a:pPr marL="0" indent="0">
               <a:buNone/>
             </a:pPr>
             <a:endParaRPr lang="en-US" dirty="0"/>
@@ -3522,7 +3239,7 @@
           <a:bodyPr wrap="square" lIns="0" tIns="0" rIns="0" bIns="0" rtlCol="0" anchor="t"/>
           <a:lstStyle/>
           <a:p>
-            <a:pPr algn="l" indent="0" marL="0">
+            <a:pPr marL="0" indent="0" algn="l">
               <a:buNone/>
             </a:pPr>
             <a:r>
@@ -3561,7 +3278,7 @@
           <a:bodyPr wrap="square" lIns="0" tIns="0" rIns="0" bIns="0" rtlCol="0" anchor="t"/>
           <a:lstStyle/>
           <a:p>
-            <a:pPr algn="l" indent="0" marL="0">
+            <a:pPr marL="0" indent="0" algn="l">
               <a:spcBef>
                 <a:spcPts val="200"/>
               </a:spcBef>
@@ -3601,7 +3318,7 @@
           </a:solidFill>
           <a:ln/>
           <a:effectLst>
-            <a:outerShdw sx="100000" sy="100000" kx="0" ky="0" algn="bl" rotWithShape="0" blurRad="38100" dist="19050" dir="5400000">
+            <a:outerShdw blurRad="38100" dist="19050" dir="5400000" algn="bl" rotWithShape="0">
               <a:srgbClr val="000000">
                 <a:alpha val="10000"/>
               </a:srgbClr>
@@ -3612,7 +3329,7 @@
           <a:bodyPr wrap="square" rtlCol="0" anchor="ctr"/>
           <a:lstStyle/>
           <a:p>
-            <a:pPr indent="0" marL="0">
+            <a:pPr marL="0" indent="0">
               <a:buNone/>
             </a:pPr>
             <a:endParaRPr lang="en-US" dirty="0"/>
@@ -3641,6 +3358,13 @@
             <a:prstDash val="solid"/>
           </a:ln>
         </p:spPr>
+        <p:txBody>
+          <a:bodyPr/>
+          <a:lstStyle/>
+          <a:p>
+            <a:endParaRPr lang="ja-JP" altLang="en-US"/>
+          </a:p>
+        </p:txBody>
       </p:sp>
       <p:sp>
         <p:nvSpPr>
@@ -3663,7 +3387,7 @@
           <a:bodyPr wrap="square" lIns="0" tIns="0" rIns="0" bIns="0" rtlCol="0" anchor="t"/>
           <a:lstStyle/>
           <a:p>
-            <a:pPr algn="l" indent="0" marL="0">
+            <a:pPr marL="0" indent="0" algn="l">
               <a:buNone/>
             </a:pPr>
             <a:r>
@@ -3702,7 +3426,7 @@
           <a:bodyPr wrap="square" lIns="0" tIns="0" rIns="0" bIns="0" rtlCol="0" anchor="t"/>
           <a:lstStyle/>
           <a:p>
-            <a:pPr algn="l" indent="0" marL="0">
+            <a:pPr marL="0" indent="0" algn="l">
               <a:buNone/>
             </a:pPr>
             <a:r>
@@ -3741,7 +3465,7 @@
           <a:bodyPr wrap="square" lIns="0" tIns="0" rIns="0" bIns="0" rtlCol="0" anchor="t"/>
           <a:lstStyle/>
           <a:p>
-            <a:pPr algn="l" indent="0" marL="0">
+            <a:pPr marL="0" indent="0" algn="l">
               <a:lnSpc>
                 <a:spcPts val="1170"/>
               </a:lnSpc>
@@ -3781,7 +3505,7 @@
           </a:solidFill>
           <a:ln/>
           <a:effectLst>
-            <a:outerShdw sx="100000" sy="100000" kx="0" ky="0" algn="bl" rotWithShape="0" blurRad="38100" dist="19050" dir="5400000">
+            <a:outerShdw blurRad="38100" dist="19050" dir="5400000" algn="bl" rotWithShape="0">
               <a:srgbClr val="000000">
                 <a:alpha val="10000"/>
               </a:srgbClr>
@@ -3792,7 +3516,7 @@
           <a:bodyPr wrap="square" rtlCol="0" anchor="ctr"/>
           <a:lstStyle/>
           <a:p>
-            <a:pPr indent="0" marL="0">
+            <a:pPr marL="0" indent="0">
               <a:buNone/>
             </a:pPr>
             <a:endParaRPr lang="en-US" dirty="0"/>
@@ -3821,6 +3545,13 @@
             <a:prstDash val="solid"/>
           </a:ln>
         </p:spPr>
+        <p:txBody>
+          <a:bodyPr/>
+          <a:lstStyle/>
+          <a:p>
+            <a:endParaRPr lang="ja-JP" altLang="en-US"/>
+          </a:p>
+        </p:txBody>
       </p:sp>
       <p:sp>
         <p:nvSpPr>
@@ -3843,7 +3574,7 @@
           <a:bodyPr wrap="square" lIns="0" tIns="0" rIns="0" bIns="0" rtlCol="0" anchor="t"/>
           <a:lstStyle/>
           <a:p>
-            <a:pPr algn="l" indent="0" marL="0">
+            <a:pPr marL="0" indent="0" algn="l">
               <a:buNone/>
             </a:pPr>
             <a:r>
@@ -3882,7 +3613,7 @@
           <a:bodyPr wrap="square" lIns="0" tIns="0" rIns="0" bIns="0" rtlCol="0" anchor="t"/>
           <a:lstStyle/>
           <a:p>
-            <a:pPr algn="l" indent="0" marL="0">
+            <a:pPr marL="0" indent="0" algn="l">
               <a:buNone/>
             </a:pPr>
             <a:r>
@@ -3921,7 +3652,7 @@
           <a:bodyPr wrap="square" lIns="0" tIns="0" rIns="0" bIns="0" rtlCol="0" anchor="t"/>
           <a:lstStyle/>
           <a:p>
-            <a:pPr algn="l" indent="0" marL="0">
+            <a:pPr marL="0" indent="0" algn="l">
               <a:lnSpc>
                 <a:spcPts val="1170"/>
               </a:lnSpc>
@@ -3971,7 +3702,7 @@
           <a:bodyPr wrap="square" rtlCol="0" anchor="ctr"/>
           <a:lstStyle/>
           <a:p>
-            <a:pPr indent="0" marL="0">
+            <a:pPr marL="0" indent="0">
               <a:buNone/>
             </a:pPr>
             <a:endParaRPr lang="en-US" dirty="0"/>
@@ -3999,7 +3730,7 @@
           <a:bodyPr wrap="square" lIns="0" tIns="0" rIns="0" bIns="0" rtlCol="0" anchor="t"/>
           <a:lstStyle/>
           <a:p>
-            <a:pPr algn="l" indent="0" marL="0">
+            <a:pPr marL="0" indent="0" algn="l">
               <a:buNone/>
             </a:pPr>
             <a:r>
@@ -4042,7 +3773,7 @@
           <a:bodyPr wrap="square" rtlCol="0" anchor="ctr"/>
           <a:lstStyle/>
           <a:p>
-            <a:pPr indent="0" marL="0">
+            <a:pPr marL="0" indent="0">
               <a:buNone/>
             </a:pPr>
             <a:endParaRPr lang="en-US" dirty="0"/>
@@ -4070,7 +3801,7 @@
           <a:bodyPr wrap="square" lIns="0" tIns="0" rIns="0" bIns="0" rtlCol="0" anchor="t"/>
           <a:lstStyle/>
           <a:p>
-            <a:pPr algn="l" indent="0" marL="0">
+            <a:pPr marL="0" indent="0" algn="l">
               <a:spcAft>
                 <a:spcPts val="1000"/>
               </a:spcAft>
@@ -4112,7 +3843,7 @@
           <a:bodyPr wrap="square" lIns="0" tIns="0" rIns="0" bIns="0" rtlCol="0" anchor="t"/>
           <a:lstStyle/>
           <a:p>
-            <a:pPr algn="l" indent="0" marL="0">
+            <a:pPr marL="0" indent="0" algn="l">
               <a:spcBef>
                 <a:spcPts val="100"/>
               </a:spcBef>
@@ -4154,7 +3885,7 @@
           <a:bodyPr wrap="square" lIns="0" tIns="0" rIns="0" bIns="0" rtlCol="0" anchor="t"/>
           <a:lstStyle/>
           <a:p>
-            <a:pPr algn="l" indent="0" marL="0">
+            <a:pPr marL="0" indent="0" algn="l">
               <a:buNone/>
             </a:pPr>
             <a:r>
@@ -4193,7 +3924,7 @@
           <a:bodyPr wrap="square" lIns="0" tIns="0" rIns="0" bIns="0" rtlCol="0" anchor="t"/>
           <a:lstStyle/>
           <a:p>
-            <a:pPr algn="l" indent="0" marL="0">
+            <a:pPr marL="0" indent="0" algn="l">
               <a:spcBef>
                 <a:spcPts val="100"/>
               </a:spcBef>
@@ -4235,7 +3966,7 @@
           <a:bodyPr wrap="square" lIns="0" tIns="0" rIns="0" bIns="0" rtlCol="0" anchor="t"/>
           <a:lstStyle/>
           <a:p>
-            <a:pPr algn="l" indent="0" marL="0">
+            <a:pPr marL="0" indent="0" algn="l">
               <a:buNone/>
             </a:pPr>
             <a:r>
@@ -4274,7 +4005,7 @@
           <a:bodyPr wrap="square" lIns="0" tIns="0" rIns="0" bIns="0" rtlCol="0" anchor="t"/>
           <a:lstStyle/>
           <a:p>
-            <a:pPr algn="l" indent="0" marL="0">
+            <a:pPr marL="0" indent="0" algn="l">
               <a:spcBef>
                 <a:spcPts val="100"/>
               </a:spcBef>
@@ -4316,7 +4047,7 @@
           <a:bodyPr wrap="square" lIns="0" tIns="0" rIns="0" bIns="0" rtlCol="0" anchor="t"/>
           <a:lstStyle/>
           <a:p>
-            <a:pPr algn="l" indent="0" marL="0">
+            <a:pPr marL="0" indent="0" algn="l">
               <a:buNone/>
             </a:pPr>
             <a:r>
@@ -4355,7 +4086,7 @@
           <a:bodyPr wrap="square" rtlCol="0" anchor="ctr"/>
           <a:lstStyle/>
           <a:p>
-            <a:pPr algn="ctr" indent="0" marL="0">
+            <a:pPr marL="0" indent="0" algn="ctr">
               <a:buNone/>
             </a:pPr>
             <a:r>
@@ -4386,6 +4117,7 @@
         <a:solidFill>
           <a:srgbClr val="F4F6F6"/>
         </a:solidFill>
+        <a:effectLst/>
       </p:bgPr>
     </p:bg>
     <p:spTree>
@@ -4425,7 +4157,7 @@
           <a:bodyPr wrap="square" rtlCol="0" anchor="ctr"/>
           <a:lstStyle/>
           <a:p>
-            <a:pPr indent="0" marL="0">
+            <a:pPr marL="0" indent="0">
               <a:buNone/>
             </a:pPr>
             <a:endParaRPr lang="en-US" dirty="0"/>
@@ -4453,7 +4185,7 @@
           <a:bodyPr wrap="square" lIns="0" tIns="0" rIns="0" bIns="0" rtlCol="0" anchor="t"/>
           <a:lstStyle/>
           <a:p>
-            <a:pPr algn="l" indent="0" marL="0">
+            <a:pPr marL="0" indent="0" algn="l">
               <a:buNone/>
             </a:pPr>
             <a:r>
@@ -4500,7 +4232,7 @@
           <a:bodyPr wrap="square" rtlCol="0" anchor="ctr"/>
           <a:lstStyle/>
           <a:p>
-            <a:pPr indent="0" marL="0">
+            <a:pPr marL="0" indent="0">
               <a:buNone/>
             </a:pPr>
             <a:endParaRPr lang="en-US" dirty="0"/>
@@ -4528,7 +4260,7 @@
           <a:bodyPr wrap="square" lIns="0" tIns="0" rIns="0" bIns="0" rtlCol="0" anchor="t"/>
           <a:lstStyle/>
           <a:p>
-            <a:pPr algn="l" indent="0" marL="0">
+            <a:pPr marL="0" indent="0" algn="l">
               <a:buNone/>
             </a:pPr>
             <a:r>
@@ -4554,20 +4286,20 @@
         </p:nvSpPr>
         <p:spPr>
           <a:xfrm>
-            <a:off x="961876" y="1333202"/>
-            <a:ext cx="2009742" cy="171450"/>
-          </a:xfrm>
-          <a:prstGeom prst="rect">
-            <a:avLst/>
-          </a:prstGeom>
-          <a:noFill/>
-          <a:ln/>
-        </p:spPr>
-        <p:txBody>
-          <a:bodyPr wrap="square" lIns="0" tIns="0" rIns="0" bIns="0" rtlCol="0" anchor="t"/>
-          <a:lstStyle/>
-          <a:p>
-            <a:pPr algn="l" indent="0" marL="0">
+            <a:off x="961875" y="1333202"/>
+            <a:ext cx="2683771" cy="171450"/>
+          </a:xfrm>
+          <a:prstGeom prst="rect">
+            <a:avLst/>
+          </a:prstGeom>
+          <a:noFill/>
+          <a:ln/>
+        </p:spPr>
+        <p:txBody>
+          <a:bodyPr wrap="square" lIns="0" tIns="0" rIns="0" bIns="0" rtlCol="0" anchor="t"/>
+          <a:lstStyle/>
+          <a:p>
+            <a:pPr marL="0" indent="0" algn="l">
               <a:buNone/>
             </a:pPr>
             <a:r>
@@ -4606,7 +4338,7 @@
           </a:solidFill>
           <a:ln/>
           <a:effectLst>
-            <a:outerShdw sx="100000" sy="100000" kx="0" ky="0" algn="bl" rotWithShape="0" blurRad="38100" dist="19050" dir="5400000">
+            <a:outerShdw blurRad="38100" dist="19050" dir="5400000" algn="bl" rotWithShape="0">
               <a:srgbClr val="000000">
                 <a:alpha val="10000"/>
               </a:srgbClr>
@@ -4617,7 +4349,7 @@
           <a:bodyPr wrap="square" rtlCol="0" anchor="ctr"/>
           <a:lstStyle/>
           <a:p>
-            <a:pPr indent="0" marL="0">
+            <a:pPr marL="0" indent="0">
               <a:buNone/>
             </a:pPr>
             <a:endParaRPr lang="en-US" dirty="0"/>
@@ -4647,7 +4379,7 @@
           <a:bodyPr wrap="square" rtlCol="0" anchor="ctr"/>
           <a:lstStyle/>
           <a:p>
-            <a:pPr indent="0" marL="0">
+            <a:pPr marL="0" indent="0">
               <a:buNone/>
             </a:pPr>
             <a:endParaRPr lang="en-US" dirty="0"/>
@@ -4675,7 +4407,7 @@
           <a:bodyPr wrap="square" lIns="0" tIns="0" rIns="0" bIns="0" rtlCol="0" anchor="t"/>
           <a:lstStyle/>
           <a:p>
-            <a:pPr algn="l" indent="0" marL="0">
+            <a:pPr marL="0" indent="0" algn="l">
               <a:buNone/>
             </a:pPr>
             <a:r>
@@ -4714,7 +4446,7 @@
           <a:bodyPr wrap="square" lIns="0" tIns="0" rIns="0" bIns="0" rtlCol="0" anchor="t"/>
           <a:lstStyle/>
           <a:p>
-            <a:pPr algn="l" indent="0" marL="0">
+            <a:pPr marL="0" indent="0" algn="l">
               <a:spcBef>
                 <a:spcPts val="100"/>
               </a:spcBef>
@@ -4760,7 +4492,7 @@
           <a:bodyPr wrap="square" rtlCol="0" anchor="ctr"/>
           <a:lstStyle/>
           <a:p>
-            <a:pPr indent="0" marL="0">
+            <a:pPr marL="0" indent="0">
               <a:buNone/>
             </a:pPr>
             <a:endParaRPr lang="en-US" dirty="0"/>
@@ -4788,7 +4520,7 @@
           <a:bodyPr wrap="square" lIns="0" tIns="0" rIns="0" bIns="0" rtlCol="0" anchor="t"/>
           <a:lstStyle/>
           <a:p>
-            <a:pPr algn="l" indent="0" marL="0">
+            <a:pPr marL="0" indent="0" algn="l">
               <a:spcAft>
                 <a:spcPts val="200"/>
               </a:spcAft>
@@ -4830,7 +4562,7 @@
           <a:bodyPr wrap="square" lIns="0" tIns="0" rIns="0" bIns="0" rtlCol="0" anchor="t"/>
           <a:lstStyle/>
           <a:p>
-            <a:pPr algn="l" indent="0" marL="0">
+            <a:pPr marL="0" indent="0" algn="l">
               <a:lnSpc>
                 <a:spcPts val="960"/>
               </a:lnSpc>
@@ -4876,7 +4608,7 @@
           <a:bodyPr wrap="square" rtlCol="0" anchor="ctr"/>
           <a:lstStyle/>
           <a:p>
-            <a:pPr indent="0" marL="0">
+            <a:pPr marL="0" indent="0">
               <a:buNone/>
             </a:pPr>
             <a:endParaRPr lang="en-US" dirty="0"/>
@@ -4904,7 +4636,7 @@
           <a:bodyPr wrap="square" lIns="0" tIns="0" rIns="0" bIns="0" rtlCol="0" anchor="t"/>
           <a:lstStyle/>
           <a:p>
-            <a:pPr algn="l" indent="0" marL="0">
+            <a:pPr marL="0" indent="0" algn="l">
               <a:spcAft>
                 <a:spcPts val="200"/>
               </a:spcAft>
@@ -4946,7 +4678,7 @@
           <a:bodyPr wrap="square" lIns="0" tIns="0" rIns="0" bIns="0" rtlCol="0" anchor="t"/>
           <a:lstStyle/>
           <a:p>
-            <a:pPr algn="l" indent="0" marL="0">
+            <a:pPr marL="0" indent="0" algn="l">
               <a:lnSpc>
                 <a:spcPts val="960"/>
               </a:lnSpc>
@@ -4988,7 +4720,7 @@
           <a:bodyPr wrap="square" lIns="0" tIns="0" rIns="0" bIns="0" rtlCol="0" anchor="t"/>
           <a:lstStyle/>
           <a:p>
-            <a:pPr algn="l" indent="0" marL="0">
+            <a:pPr marL="0" indent="0" algn="l">
               <a:lnSpc>
                 <a:spcPts val="960"/>
               </a:lnSpc>
@@ -5032,7 +4764,7 @@
           <a:bodyPr wrap="square" rtlCol="0" anchor="ctr"/>
           <a:lstStyle/>
           <a:p>
-            <a:pPr indent="0" marL="0">
+            <a:pPr marL="0" indent="0">
               <a:buNone/>
             </a:pPr>
             <a:endParaRPr lang="en-US" dirty="0"/>
@@ -5061,6 +4793,13 @@
             <a:prstDash val="solid"/>
           </a:ln>
         </p:spPr>
+        <p:txBody>
+          <a:bodyPr/>
+          <a:lstStyle/>
+          <a:p>
+            <a:endParaRPr lang="ja-JP" altLang="en-US"/>
+          </a:p>
+        </p:txBody>
       </p:sp>
       <p:sp>
         <p:nvSpPr>
@@ -5083,7 +4822,7 @@
           <a:bodyPr wrap="square" lIns="0" tIns="0" rIns="0" bIns="0" rtlCol="0" anchor="t"/>
           <a:lstStyle/>
           <a:p>
-            <a:pPr algn="l" indent="0" marL="0">
+            <a:pPr marL="0" indent="0" algn="l">
               <a:spcAft>
                 <a:spcPts val="400"/>
               </a:spcAft>
@@ -5125,7 +4864,7 @@
           <a:bodyPr wrap="square" lIns="88900" tIns="0" rIns="0" bIns="0" rtlCol="0" anchor="t"/>
           <a:lstStyle/>
           <a:p>
-            <a:pPr algn="l" marL="88900" indent="-88900">
+            <a:pPr marL="88900" indent="-88900" algn="l">
               <a:spcAft>
                 <a:spcPts val="200"/>
               </a:spcAft>
@@ -5146,7 +4885,7 @@
             <a:endParaRPr lang="en-US" sz="800" dirty="0"/>
           </a:p>
           <a:p>
-            <a:pPr algn="l" marL="88900" indent="-88900">
+            <a:pPr marL="88900" indent="-88900" algn="l">
               <a:spcAft>
                 <a:spcPts val="200"/>
               </a:spcAft>
@@ -5167,7 +4906,7 @@
             <a:endParaRPr lang="en-US" sz="800" dirty="0"/>
           </a:p>
           <a:p>
-            <a:pPr algn="l" marL="88900" indent="-88900">
+            <a:pPr marL="88900" indent="-88900" algn="l">
               <a:spcAft>
                 <a:spcPts val="200"/>
               </a:spcAft>
@@ -5188,7 +4927,7 @@
             <a:endParaRPr lang="en-US" sz="800" dirty="0"/>
           </a:p>
           <a:p>
-            <a:pPr algn="l" marL="88900" indent="-88900">
+            <a:pPr marL="88900" indent="-88900" algn="l">
               <a:spcAft>
                 <a:spcPts val="200"/>
               </a:spcAft>
@@ -5231,7 +4970,7 @@
           <a:bodyPr wrap="square" rtlCol="0" anchor="ctr"/>
           <a:lstStyle/>
           <a:p>
-            <a:pPr algn="ctr" indent="0" marL="0">
+            <a:pPr marL="0" indent="0" algn="ctr">
               <a:buNone/>
             </a:pPr>
             <a:r>
@@ -5262,6 +5001,7 @@
         <a:solidFill>
           <a:srgbClr val="F4F6F6"/>
         </a:solidFill>
+        <a:effectLst/>
       </p:bgPr>
     </p:bg>
     <p:spTree>
@@ -5301,7 +5041,7 @@
           <a:bodyPr wrap="square" rtlCol="0" anchor="ctr"/>
           <a:lstStyle/>
           <a:p>
-            <a:pPr indent="0" marL="0">
+            <a:pPr marL="0" indent="0">
               <a:buNone/>
             </a:pPr>
             <a:endParaRPr lang="en-US" dirty="0"/>
@@ -5329,7 +5069,7 @@
           <a:bodyPr wrap="square" lIns="0" tIns="0" rIns="0" bIns="0" rtlCol="0" anchor="t"/>
           <a:lstStyle/>
           <a:p>
-            <a:pPr algn="l" indent="0" marL="0">
+            <a:pPr marL="0" indent="0" algn="l">
               <a:buNone/>
             </a:pPr>
             <a:r>
@@ -5366,7 +5106,7 @@
           </a:solidFill>
           <a:ln/>
           <a:effectLst>
-            <a:outerShdw sx="100000" sy="100000" kx="0" ky="0" algn="bl" rotWithShape="0" blurRad="38100" dist="19050" dir="5400000">
+            <a:outerShdw blurRad="38100" dist="19050" dir="5400000" algn="bl" rotWithShape="0">
               <a:srgbClr val="000000">
                 <a:alpha val="10000"/>
               </a:srgbClr>
@@ -5377,7 +5117,7 @@
           <a:bodyPr wrap="square" rtlCol="0" anchor="ctr"/>
           <a:lstStyle/>
           <a:p>
-            <a:pPr indent="0" marL="0">
+            <a:pPr marL="0" indent="0">
               <a:buNone/>
             </a:pPr>
             <a:endParaRPr lang="en-US" dirty="0"/>
@@ -5406,6 +5146,13 @@
             <a:prstDash val="solid"/>
           </a:ln>
         </p:spPr>
+        <p:txBody>
+          <a:bodyPr/>
+          <a:lstStyle/>
+          <a:p>
+            <a:endParaRPr lang="ja-JP" altLang="en-US"/>
+          </a:p>
+        </p:txBody>
       </p:sp>
       <p:sp>
         <p:nvSpPr>
@@ -5428,7 +5175,7 @@
           <a:bodyPr wrap="square" lIns="0" tIns="0" rIns="0" bIns="0" rtlCol="0" anchor="t"/>
           <a:lstStyle/>
           <a:p>
-            <a:pPr algn="l" indent="0" marL="0">
+            <a:pPr marL="0" indent="0" algn="l">
               <a:spcAft>
                 <a:spcPts val="300"/>
               </a:spcAft>
@@ -5470,7 +5217,7 @@
           <a:bodyPr wrap="square" lIns="0" tIns="0" rIns="0" bIns="0" rtlCol="0" anchor="t"/>
           <a:lstStyle/>
           <a:p>
-            <a:pPr algn="l" indent="0" marL="0">
+            <a:pPr marL="0" indent="0" algn="l">
               <a:spcAft>
                 <a:spcPts val="200"/>
               </a:spcAft>
@@ -5512,7 +5259,7 @@
           <a:bodyPr wrap="square" lIns="0" tIns="0" rIns="0" bIns="0" rtlCol="0" anchor="t"/>
           <a:lstStyle/>
           <a:p>
-            <a:pPr algn="l" indent="0" marL="0">
+            <a:pPr marL="0" indent="0" algn="l">
               <a:buNone/>
             </a:pPr>
             <a:r>
@@ -5549,7 +5296,7 @@
           </a:solidFill>
           <a:ln/>
           <a:effectLst>
-            <a:outerShdw sx="100000" sy="100000" kx="0" ky="0" algn="bl" rotWithShape="0" blurRad="38100" dist="19050" dir="5400000">
+            <a:outerShdw blurRad="38100" dist="19050" dir="5400000" algn="bl" rotWithShape="0">
               <a:srgbClr val="000000">
                 <a:alpha val="10000"/>
               </a:srgbClr>
@@ -5560,7 +5307,7 @@
           <a:bodyPr wrap="square" rtlCol="0" anchor="ctr"/>
           <a:lstStyle/>
           <a:p>
-            <a:pPr indent="0" marL="0">
+            <a:pPr marL="0" indent="0">
               <a:buNone/>
             </a:pPr>
             <a:endParaRPr lang="en-US" dirty="0"/>
@@ -5589,6 +5336,13 @@
             <a:prstDash val="solid"/>
           </a:ln>
         </p:spPr>
+        <p:txBody>
+          <a:bodyPr/>
+          <a:lstStyle/>
+          <a:p>
+            <a:endParaRPr lang="ja-JP" altLang="en-US"/>
+          </a:p>
+        </p:txBody>
       </p:sp>
       <p:sp>
         <p:nvSpPr>
@@ -5611,7 +5365,7 @@
           <a:bodyPr wrap="square" lIns="0" tIns="0" rIns="0" bIns="0" rtlCol="0" anchor="t"/>
           <a:lstStyle/>
           <a:p>
-            <a:pPr algn="l" indent="0" marL="0">
+            <a:pPr marL="0" indent="0" algn="l">
               <a:spcAft>
                 <a:spcPts val="300"/>
               </a:spcAft>
@@ -5653,7 +5407,7 @@
           <a:bodyPr wrap="square" lIns="0" tIns="0" rIns="0" bIns="0" rtlCol="0" anchor="t"/>
           <a:lstStyle/>
           <a:p>
-            <a:pPr algn="l" indent="0" marL="0">
+            <a:pPr marL="0" indent="0" algn="l">
               <a:spcAft>
                 <a:spcPts val="200"/>
               </a:spcAft>
@@ -5695,7 +5449,7 @@
           <a:bodyPr wrap="square" lIns="0" tIns="0" rIns="0" bIns="0" rtlCol="0" anchor="t"/>
           <a:lstStyle/>
           <a:p>
-            <a:pPr algn="l" indent="0" marL="0">
+            <a:pPr marL="0" indent="0" algn="l">
               <a:buNone/>
             </a:pPr>
             <a:r>
@@ -5732,7 +5486,7 @@
           </a:solidFill>
           <a:ln/>
           <a:effectLst>
-            <a:outerShdw sx="100000" sy="100000" kx="0" ky="0" algn="bl" rotWithShape="0" blurRad="38100" dist="19050" dir="5400000">
+            <a:outerShdw blurRad="38100" dist="19050" dir="5400000" algn="bl" rotWithShape="0">
               <a:srgbClr val="000000">
                 <a:alpha val="10000"/>
               </a:srgbClr>
@@ -5743,7 +5497,7 @@
           <a:bodyPr wrap="square" rtlCol="0" anchor="ctr"/>
           <a:lstStyle/>
           <a:p>
-            <a:pPr indent="0" marL="0">
+            <a:pPr marL="0" indent="0">
               <a:buNone/>
             </a:pPr>
             <a:endParaRPr lang="en-US" dirty="0"/>
@@ -5772,6 +5526,13 @@
             <a:prstDash val="solid"/>
           </a:ln>
         </p:spPr>
+        <p:txBody>
+          <a:bodyPr/>
+          <a:lstStyle/>
+          <a:p>
+            <a:endParaRPr lang="ja-JP" altLang="en-US"/>
+          </a:p>
+        </p:txBody>
       </p:sp>
       <p:sp>
         <p:nvSpPr>
@@ -5794,7 +5555,7 @@
           <a:bodyPr wrap="square" lIns="0" tIns="0" rIns="0" bIns="0" rtlCol="0" anchor="t"/>
           <a:lstStyle/>
           <a:p>
-            <a:pPr algn="l" indent="0" marL="0">
+            <a:pPr marL="0" indent="0" algn="l">
               <a:spcAft>
                 <a:spcPts val="300"/>
               </a:spcAft>
@@ -5836,7 +5597,7 @@
           <a:bodyPr wrap="square" lIns="0" tIns="0" rIns="0" bIns="0" rtlCol="0" anchor="t"/>
           <a:lstStyle/>
           <a:p>
-            <a:pPr algn="l" indent="0" marL="0">
+            <a:pPr marL="0" indent="0" algn="l">
               <a:spcAft>
                 <a:spcPts val="200"/>
               </a:spcAft>
@@ -5878,7 +5639,7 @@
           <a:bodyPr wrap="square" lIns="0" tIns="0" rIns="0" bIns="0" rtlCol="0" anchor="t"/>
           <a:lstStyle/>
           <a:p>
-            <a:pPr algn="l" indent="0" marL="0">
+            <a:pPr marL="0" indent="0" algn="l">
               <a:buNone/>
             </a:pPr>
             <a:r>
@@ -5915,7 +5676,7 @@
           </a:solidFill>
           <a:ln/>
           <a:effectLst>
-            <a:outerShdw sx="100000" sy="100000" kx="0" ky="0" algn="bl" rotWithShape="0" blurRad="38100" dist="19050" dir="5400000">
+            <a:outerShdw blurRad="38100" dist="19050" dir="5400000" algn="bl" rotWithShape="0">
               <a:srgbClr val="000000">
                 <a:alpha val="10000"/>
               </a:srgbClr>
@@ -5926,7 +5687,7 @@
           <a:bodyPr wrap="square" rtlCol="0" anchor="ctr"/>
           <a:lstStyle/>
           <a:p>
-            <a:pPr indent="0" marL="0">
+            <a:pPr marL="0" indent="0">
               <a:buNone/>
             </a:pPr>
             <a:endParaRPr lang="en-US" dirty="0"/>
@@ -5955,6 +5716,13 @@
             <a:prstDash val="solid"/>
           </a:ln>
         </p:spPr>
+        <p:txBody>
+          <a:bodyPr/>
+          <a:lstStyle/>
+          <a:p>
+            <a:endParaRPr lang="ja-JP" altLang="en-US"/>
+          </a:p>
+        </p:txBody>
       </p:sp>
       <p:sp>
         <p:nvSpPr>
@@ -5977,7 +5745,7 @@
           <a:bodyPr wrap="square" lIns="0" tIns="0" rIns="0" bIns="0" rtlCol="0" anchor="t"/>
           <a:lstStyle/>
           <a:p>
-            <a:pPr algn="l" indent="0" marL="0">
+            <a:pPr marL="0" indent="0" algn="l">
               <a:spcAft>
                 <a:spcPts val="300"/>
               </a:spcAft>
@@ -6019,7 +5787,7 @@
           <a:bodyPr wrap="square" lIns="0" tIns="0" rIns="0" bIns="0" rtlCol="0" anchor="t"/>
           <a:lstStyle/>
           <a:p>
-            <a:pPr algn="l" indent="0" marL="0">
+            <a:pPr marL="0" indent="0" algn="l">
               <a:spcAft>
                 <a:spcPts val="200"/>
               </a:spcAft>
@@ -6061,7 +5829,7 @@
           <a:bodyPr wrap="square" lIns="0" tIns="0" rIns="0" bIns="0" rtlCol="0" anchor="t"/>
           <a:lstStyle/>
           <a:p>
-            <a:pPr algn="l" indent="0" marL="0">
+            <a:pPr marL="0" indent="0" algn="l">
               <a:buNone/>
             </a:pPr>
             <a:r>
@@ -6100,7 +5868,7 @@
           <a:bodyPr wrap="square" rtlCol="0" anchor="ctr"/>
           <a:lstStyle/>
           <a:p>
-            <a:pPr algn="ctr" indent="0" marL="0">
+            <a:pPr marL="0" indent="0" algn="ctr">
               <a:buNone/>
             </a:pPr>
             <a:r>
@@ -6131,6 +5899,7 @@
         <a:solidFill>
           <a:srgbClr val="F4F6F6"/>
         </a:solidFill>
+        <a:effectLst/>
       </p:bgPr>
     </p:bg>
     <p:spTree>
@@ -6170,7 +5939,7 @@
           <a:bodyPr wrap="square" rtlCol="0" anchor="ctr"/>
           <a:lstStyle/>
           <a:p>
-            <a:pPr indent="0" marL="0">
+            <a:pPr marL="0" indent="0">
               <a:buNone/>
             </a:pPr>
             <a:endParaRPr lang="en-US" dirty="0"/>
@@ -6198,7 +5967,7 @@
           <a:bodyPr wrap="square" lIns="0" tIns="0" rIns="0" bIns="0" rtlCol="0" anchor="t"/>
           <a:lstStyle/>
           <a:p>
-            <a:pPr algn="l" indent="0" marL="0">
+            <a:pPr marL="0" indent="0" algn="l">
               <a:buNone/>
             </a:pPr>
             <a:r>
@@ -6235,7 +6004,7 @@
           </a:solidFill>
           <a:ln/>
           <a:effectLst>
-            <a:outerShdw sx="100000" sy="100000" kx="0" ky="0" algn="bl" rotWithShape="0" blurRad="28575" dist="9525" dir="5400000">
+            <a:outerShdw blurRad="28575" dist="9525" dir="5400000" algn="bl" rotWithShape="0">
               <a:srgbClr val="000000">
                 <a:alpha val="10000"/>
               </a:srgbClr>
@@ -6246,7 +6015,7 @@
           <a:bodyPr wrap="square" rtlCol="0" anchor="ctr"/>
           <a:lstStyle/>
           <a:p>
-            <a:pPr indent="0" marL="0">
+            <a:pPr marL="0" indent="0">
               <a:buNone/>
             </a:pPr>
             <a:endParaRPr lang="en-US" dirty="0"/>
@@ -6274,7 +6043,7 @@
           <a:bodyPr wrap="square" lIns="0" tIns="0" rIns="0" bIns="0" rtlCol="0" anchor="t"/>
           <a:lstStyle/>
           <a:p>
-            <a:pPr algn="ctr" indent="0" marL="0">
+            <a:pPr marL="0" indent="0" algn="ctr">
               <a:buNone/>
             </a:pPr>
             <a:r>
@@ -6313,7 +6082,7 @@
           <a:bodyPr wrap="square" lIns="0" tIns="0" rIns="0" bIns="0" rtlCol="0" anchor="t"/>
           <a:lstStyle/>
           <a:p>
-            <a:pPr algn="ctr" indent="0" marL="0">
+            <a:pPr marL="0" indent="0" algn="ctr">
               <a:spcBef>
                 <a:spcPts val="200"/>
               </a:spcBef>
@@ -6353,7 +6122,7 @@
           </a:solidFill>
           <a:ln/>
           <a:effectLst>
-            <a:outerShdw sx="100000" sy="100000" kx="0" ky="0" algn="bl" rotWithShape="0" blurRad="28575" dist="9525" dir="5400000">
+            <a:outerShdw blurRad="28575" dist="9525" dir="5400000" algn="bl" rotWithShape="0">
               <a:srgbClr val="000000">
                 <a:alpha val="10000"/>
               </a:srgbClr>
@@ -6364,7 +6133,7 @@
           <a:bodyPr wrap="square" rtlCol="0" anchor="ctr"/>
           <a:lstStyle/>
           <a:p>
-            <a:pPr indent="0" marL="0">
+            <a:pPr marL="0" indent="0">
               <a:buNone/>
             </a:pPr>
             <a:endParaRPr lang="en-US" dirty="0"/>
@@ -6392,7 +6161,7 @@
           <a:bodyPr wrap="square" lIns="0" tIns="0" rIns="0" bIns="0" rtlCol="0" anchor="t"/>
           <a:lstStyle/>
           <a:p>
-            <a:pPr algn="ctr" indent="0" marL="0">
+            <a:pPr marL="0" indent="0" algn="ctr">
               <a:buNone/>
             </a:pPr>
             <a:r>
@@ -6431,7 +6200,7 @@
           <a:bodyPr wrap="square" lIns="0" tIns="0" rIns="0" bIns="0" rtlCol="0" anchor="t"/>
           <a:lstStyle/>
           <a:p>
-            <a:pPr algn="ctr" indent="0" marL="0">
+            <a:pPr marL="0" indent="0" algn="ctr">
               <a:spcBef>
                 <a:spcPts val="200"/>
               </a:spcBef>
@@ -6471,7 +6240,7 @@
           </a:solidFill>
           <a:ln/>
           <a:effectLst>
-            <a:outerShdw sx="100000" sy="100000" kx="0" ky="0" algn="bl" rotWithShape="0" blurRad="28575" dist="9525" dir="5400000">
+            <a:outerShdw blurRad="28575" dist="9525" dir="5400000" algn="bl" rotWithShape="0">
               <a:srgbClr val="000000">
                 <a:alpha val="10000"/>
               </a:srgbClr>
@@ -6482,7 +6251,7 @@
           <a:bodyPr wrap="square" rtlCol="0" anchor="ctr"/>
           <a:lstStyle/>
           <a:p>
-            <a:pPr indent="0" marL="0">
+            <a:pPr marL="0" indent="0">
               <a:buNone/>
             </a:pPr>
             <a:endParaRPr lang="en-US" dirty="0"/>
@@ -6510,7 +6279,7 @@
           <a:bodyPr wrap="square" lIns="0" tIns="0" rIns="0" bIns="0" rtlCol="0" anchor="t"/>
           <a:lstStyle/>
           <a:p>
-            <a:pPr algn="ctr" indent="0" marL="0">
+            <a:pPr marL="0" indent="0" algn="ctr">
               <a:buNone/>
             </a:pPr>
             <a:r>
@@ -6549,7 +6318,7 @@
           <a:bodyPr wrap="square" lIns="0" tIns="0" rIns="0" bIns="0" rtlCol="0" anchor="t"/>
           <a:lstStyle/>
           <a:p>
-            <a:pPr algn="ctr" indent="0" marL="0">
+            <a:pPr marL="0" indent="0" algn="ctr">
               <a:spcBef>
                 <a:spcPts val="200"/>
               </a:spcBef>
@@ -6589,7 +6358,7 @@
           </a:solidFill>
           <a:ln/>
           <a:effectLst>
-            <a:outerShdw sx="100000" sy="100000" kx="0" ky="0" algn="bl" rotWithShape="0" blurRad="28575" dist="9525" dir="5400000">
+            <a:outerShdw blurRad="28575" dist="9525" dir="5400000" algn="bl" rotWithShape="0">
               <a:srgbClr val="000000">
                 <a:alpha val="10000"/>
               </a:srgbClr>
@@ -6600,7 +6369,7 @@
           <a:bodyPr wrap="square" rtlCol="0" anchor="ctr"/>
           <a:lstStyle/>
           <a:p>
-            <a:pPr indent="0" marL="0">
+            <a:pPr marL="0" indent="0">
               <a:buNone/>
             </a:pPr>
             <a:endParaRPr lang="en-US" dirty="0"/>
@@ -6628,7 +6397,7 @@
           <a:bodyPr wrap="square" lIns="0" tIns="0" rIns="0" bIns="0" rtlCol="0" anchor="t"/>
           <a:lstStyle/>
           <a:p>
-            <a:pPr algn="ctr" indent="0" marL="0">
+            <a:pPr marL="0" indent="0" algn="ctr">
               <a:buNone/>
             </a:pPr>
             <a:r>
@@ -6667,7 +6436,7 @@
           <a:bodyPr wrap="square" lIns="0" tIns="0" rIns="0" bIns="0" rtlCol="0" anchor="t"/>
           <a:lstStyle/>
           <a:p>
-            <a:pPr algn="ctr" indent="0" marL="0">
+            <a:pPr marL="0" indent="0" algn="ctr">
               <a:spcBef>
                 <a:spcPts val="200"/>
               </a:spcBef>
@@ -6709,7 +6478,7 @@
           <a:bodyPr wrap="square" lIns="0" tIns="0" rIns="0" bIns="0" rtlCol="0" anchor="t"/>
           <a:lstStyle/>
           <a:p>
-            <a:pPr algn="l" indent="0" marL="0">
+            <a:pPr marL="0" indent="0" algn="l">
               <a:spcAft>
                 <a:spcPts val="800"/>
               </a:spcAft>
@@ -6749,7 +6518,7 @@
           </a:solidFill>
           <a:ln/>
           <a:effectLst>
-            <a:outerShdw sx="100000" sy="100000" kx="0" ky="0" algn="bl" rotWithShape="0" blurRad="19050" dist="9525" dir="5400000">
+            <a:outerShdw blurRad="19050" dist="9525" dir="5400000" algn="bl" rotWithShape="0">
               <a:srgbClr val="000000">
                 <a:alpha val="10000"/>
               </a:srgbClr>
@@ -6760,7 +6529,7 @@
           <a:bodyPr wrap="square" rtlCol="0" anchor="ctr"/>
           <a:lstStyle/>
           <a:p>
-            <a:pPr indent="0" marL="0">
+            <a:pPr marL="0" indent="0">
               <a:buNone/>
             </a:pPr>
             <a:endParaRPr lang="en-US" dirty="0"/>
@@ -6789,6 +6558,13 @@
             <a:prstDash val="solid"/>
           </a:ln>
         </p:spPr>
+        <p:txBody>
+          <a:bodyPr/>
+          <a:lstStyle/>
+          <a:p>
+            <a:endParaRPr lang="ja-JP" altLang="en-US"/>
+          </a:p>
+        </p:txBody>
       </p:sp>
       <p:sp>
         <p:nvSpPr>
@@ -6811,7 +6587,7 @@
           <a:bodyPr wrap="square" lIns="0" tIns="0" rIns="0" bIns="0" rtlCol="0" anchor="t"/>
           <a:lstStyle/>
           <a:p>
-            <a:pPr algn="l" indent="0" marL="0">
+            <a:pPr marL="0" indent="0" algn="l">
               <a:spcAft>
                 <a:spcPts val="200"/>
               </a:spcAft>
@@ -6853,7 +6629,7 @@
           <a:bodyPr wrap="square" lIns="0" tIns="0" rIns="0" bIns="0" rtlCol="0" anchor="t"/>
           <a:lstStyle/>
           <a:p>
-            <a:pPr algn="l" indent="0" marL="0">
+            <a:pPr marL="0" indent="0" algn="l">
               <a:lnSpc>
                 <a:spcPts val="960"/>
               </a:lnSpc>
@@ -6893,7 +6669,7 @@
           </a:solidFill>
           <a:ln/>
           <a:effectLst>
-            <a:outerShdw sx="100000" sy="100000" kx="0" ky="0" algn="bl" rotWithShape="0" blurRad="19050" dist="9525" dir="5400000">
+            <a:outerShdw blurRad="19050" dist="9525" dir="5400000" algn="bl" rotWithShape="0">
               <a:srgbClr val="000000">
                 <a:alpha val="10000"/>
               </a:srgbClr>
@@ -6904,7 +6680,7 @@
           <a:bodyPr wrap="square" rtlCol="0" anchor="ctr"/>
           <a:lstStyle/>
           <a:p>
-            <a:pPr indent="0" marL="0">
+            <a:pPr marL="0" indent="0">
               <a:buNone/>
             </a:pPr>
             <a:endParaRPr lang="en-US" dirty="0"/>
@@ -6933,6 +6709,13 @@
             <a:prstDash val="solid"/>
           </a:ln>
         </p:spPr>
+        <p:txBody>
+          <a:bodyPr/>
+          <a:lstStyle/>
+          <a:p>
+            <a:endParaRPr lang="ja-JP" altLang="en-US"/>
+          </a:p>
+        </p:txBody>
       </p:sp>
       <p:sp>
         <p:nvSpPr>
@@ -6955,7 +6738,7 @@
           <a:bodyPr wrap="square" lIns="0" tIns="0" rIns="0" bIns="0" rtlCol="0" anchor="t"/>
           <a:lstStyle/>
           <a:p>
-            <a:pPr algn="l" indent="0" marL="0">
+            <a:pPr marL="0" indent="0" algn="l">
               <a:spcAft>
                 <a:spcPts val="200"/>
               </a:spcAft>
@@ -6997,7 +6780,7 @@
           <a:bodyPr wrap="square" lIns="0" tIns="0" rIns="0" bIns="0" rtlCol="0" anchor="t"/>
           <a:lstStyle/>
           <a:p>
-            <a:pPr algn="l" indent="0" marL="0">
+            <a:pPr marL="0" indent="0" algn="l">
               <a:lnSpc>
                 <a:spcPts val="960"/>
               </a:lnSpc>
@@ -7037,7 +6820,7 @@
           </a:solidFill>
           <a:ln/>
           <a:effectLst>
-            <a:outerShdw sx="100000" sy="100000" kx="0" ky="0" algn="bl" rotWithShape="0" blurRad="19050" dist="9525" dir="5400000">
+            <a:outerShdw blurRad="19050" dist="9525" dir="5400000" algn="bl" rotWithShape="0">
               <a:srgbClr val="000000">
                 <a:alpha val="10000"/>
               </a:srgbClr>
@@ -7048,7 +6831,7 @@
           <a:bodyPr wrap="square" rtlCol="0" anchor="ctr"/>
           <a:lstStyle/>
           <a:p>
-            <a:pPr indent="0" marL="0">
+            <a:pPr marL="0" indent="0">
               <a:buNone/>
             </a:pPr>
             <a:endParaRPr lang="en-US" dirty="0"/>
@@ -7077,6 +6860,13 @@
             <a:prstDash val="solid"/>
           </a:ln>
         </p:spPr>
+        <p:txBody>
+          <a:bodyPr/>
+          <a:lstStyle/>
+          <a:p>
+            <a:endParaRPr lang="ja-JP" altLang="en-US"/>
+          </a:p>
+        </p:txBody>
       </p:sp>
       <p:sp>
         <p:nvSpPr>
@@ -7099,7 +6889,7 @@
           <a:bodyPr wrap="square" lIns="0" tIns="0" rIns="0" bIns="0" rtlCol="0" anchor="t"/>
           <a:lstStyle/>
           <a:p>
-            <a:pPr algn="l" indent="0" marL="0">
+            <a:pPr marL="0" indent="0" algn="l">
               <a:spcAft>
                 <a:spcPts val="200"/>
               </a:spcAft>
@@ -7141,7 +6931,7 @@
           <a:bodyPr wrap="square" lIns="0" tIns="0" rIns="0" bIns="0" rtlCol="0" anchor="t"/>
           <a:lstStyle/>
           <a:p>
-            <a:pPr algn="l" indent="0" marL="0">
+            <a:pPr marL="0" indent="0" algn="l">
               <a:lnSpc>
                 <a:spcPts val="960"/>
               </a:lnSpc>
@@ -7181,7 +6971,7 @@
           </a:solidFill>
           <a:ln/>
           <a:effectLst>
-            <a:outerShdw sx="100000" sy="100000" kx="0" ky="0" algn="bl" rotWithShape="0" blurRad="19050" dist="9525" dir="5400000">
+            <a:outerShdw blurRad="19050" dist="9525" dir="5400000" algn="bl" rotWithShape="0">
               <a:srgbClr val="000000">
                 <a:alpha val="10000"/>
               </a:srgbClr>
@@ -7192,7 +6982,7 @@
           <a:bodyPr wrap="square" rtlCol="0" anchor="ctr"/>
           <a:lstStyle/>
           <a:p>
-            <a:pPr indent="0" marL="0">
+            <a:pPr marL="0" indent="0">
               <a:buNone/>
             </a:pPr>
             <a:endParaRPr lang="en-US" dirty="0"/>
@@ -7221,6 +7011,13 @@
             <a:prstDash val="solid"/>
           </a:ln>
         </p:spPr>
+        <p:txBody>
+          <a:bodyPr/>
+          <a:lstStyle/>
+          <a:p>
+            <a:endParaRPr lang="ja-JP" altLang="en-US"/>
+          </a:p>
+        </p:txBody>
       </p:sp>
       <p:sp>
         <p:nvSpPr>
@@ -7243,7 +7040,7 @@
           <a:bodyPr wrap="square" lIns="0" tIns="0" rIns="0" bIns="0" rtlCol="0" anchor="t"/>
           <a:lstStyle/>
           <a:p>
-            <a:pPr algn="l" indent="0" marL="0">
+            <a:pPr marL="0" indent="0" algn="l">
               <a:spcAft>
                 <a:spcPts val="200"/>
               </a:spcAft>
@@ -7285,7 +7082,7 @@
           <a:bodyPr wrap="square" lIns="0" tIns="0" rIns="0" bIns="0" rtlCol="0" anchor="t"/>
           <a:lstStyle/>
           <a:p>
-            <a:pPr algn="l" indent="0" marL="0">
+            <a:pPr marL="0" indent="0" algn="l">
               <a:lnSpc>
                 <a:spcPts val="960"/>
               </a:lnSpc>
@@ -7327,7 +7124,7 @@
           <a:bodyPr wrap="square" rtlCol="0" anchor="ctr"/>
           <a:lstStyle/>
           <a:p>
-            <a:pPr algn="ctr" indent="0" marL="0">
+            <a:pPr marL="0" indent="0" algn="ctr">
               <a:buNone/>
             </a:pPr>
             <a:r>
@@ -7358,6 +7155,7 @@
         <a:solidFill>
           <a:srgbClr val="F4F6F6"/>
         </a:solidFill>
+        <a:effectLst/>
       </p:bgPr>
     </p:bg>
     <p:spTree>
@@ -7397,7 +7195,7 @@
           <a:bodyPr wrap="square" rtlCol="0" anchor="ctr"/>
           <a:lstStyle/>
           <a:p>
-            <a:pPr indent="0" marL="0">
+            <a:pPr marL="0" indent="0">
               <a:buNone/>
             </a:pPr>
             <a:endParaRPr lang="en-US" dirty="0"/>
@@ -7425,7 +7223,7 @@
           <a:bodyPr wrap="square" lIns="0" tIns="0" rIns="0" bIns="0" rtlCol="0" anchor="t"/>
           <a:lstStyle/>
           <a:p>
-            <a:pPr algn="l" indent="0" marL="0">
+            <a:pPr marL="0" indent="0" algn="l">
               <a:buNone/>
             </a:pPr>
             <a:r>
@@ -7468,7 +7266,7 @@
           <a:bodyPr wrap="square" rtlCol="0" anchor="ctr"/>
           <a:lstStyle/>
           <a:p>
-            <a:pPr indent="0" marL="0">
+            <a:pPr marL="0" indent="0">
               <a:buNone/>
             </a:pPr>
             <a:endParaRPr lang="en-US" dirty="0"/>
@@ -7496,7 +7294,7 @@
           <a:bodyPr wrap="square" lIns="0" tIns="0" rIns="0" bIns="0" rtlCol="0" anchor="t"/>
           <a:lstStyle/>
           <a:p>
-            <a:pPr algn="l" indent="0" marL="0">
+            <a:pPr marL="0" indent="0" algn="l">
               <a:buNone/>
             </a:pPr>
             <a:r>
@@ -7535,7 +7333,7 @@
           </a:solidFill>
           <a:ln/>
           <a:effectLst>
-            <a:outerShdw sx="100000" sy="100000" kx="0" ky="0" algn="bl" rotWithShape="0" blurRad="57150" dist="19050" dir="5400000">
+            <a:outerShdw blurRad="57150" dist="19050" dir="5400000" algn="bl" rotWithShape="0">
               <a:srgbClr val="000000">
                 <a:alpha val="10000"/>
               </a:srgbClr>
@@ -7546,7 +7344,7 @@
           <a:bodyPr wrap="square" rtlCol="0" anchor="ctr"/>
           <a:lstStyle/>
           <a:p>
-            <a:pPr indent="0" marL="0">
+            <a:pPr marL="0" indent="0">
               <a:buNone/>
             </a:pPr>
             <a:endParaRPr lang="en-US" dirty="0"/>
@@ -7576,7 +7374,7 @@
           <a:bodyPr wrap="square" rtlCol="0" anchor="ctr"/>
           <a:lstStyle/>
           <a:p>
-            <a:pPr indent="0" marL="0">
+            <a:pPr marL="0" indent="0">
               <a:buNone/>
             </a:pPr>
             <a:endParaRPr lang="en-US" dirty="0"/>
@@ -7604,7 +7402,7 @@
           <a:bodyPr wrap="square" lIns="0" tIns="0" rIns="0" bIns="0" rtlCol="0" anchor="t"/>
           <a:lstStyle/>
           <a:p>
-            <a:pPr algn="l" indent="0" marL="0">
+            <a:pPr marL="0" indent="0" algn="l">
               <a:buNone/>
             </a:pPr>
             <a:r>
@@ -7643,7 +7441,7 @@
           <a:bodyPr wrap="square" lIns="0" tIns="0" rIns="0" bIns="0" rtlCol="0" anchor="t"/>
           <a:lstStyle/>
           <a:p>
-            <a:pPr algn="l" indent="0" marL="0">
+            <a:pPr marL="0" indent="0" algn="l">
               <a:buNone/>
             </a:pPr>
             <a:r>
@@ -7682,7 +7480,7 @@
           <a:bodyPr wrap="square" lIns="0" tIns="0" rIns="0" bIns="0" rtlCol="0" anchor="t"/>
           <a:lstStyle/>
           <a:p>
-            <a:pPr algn="l" indent="0" marL="0">
+            <a:pPr marL="0" indent="0" algn="l">
               <a:buNone/>
             </a:pPr>
             <a:r>
@@ -7722,6 +7520,13 @@
             <a:prstDash val="solid"/>
           </a:ln>
         </p:spPr>
+        <p:txBody>
+          <a:bodyPr/>
+          <a:lstStyle/>
+          <a:p>
+            <a:endParaRPr lang="ja-JP" altLang="en-US"/>
+          </a:p>
+        </p:txBody>
       </p:sp>
       <p:sp>
         <p:nvSpPr>
@@ -7744,7 +7549,7 @@
           <a:bodyPr wrap="square" lIns="0" tIns="0" rIns="0" bIns="0" rtlCol="0" anchor="t"/>
           <a:lstStyle/>
           <a:p>
-            <a:pPr algn="l" indent="0" marL="0">
+            <a:pPr marL="0" indent="0" algn="l">
               <a:buNone/>
             </a:pPr>
             <a:r>
@@ -7783,7 +7588,7 @@
           <a:bodyPr wrap="square" lIns="0" tIns="0" rIns="127000" bIns="0" rtlCol="0" anchor="t"/>
           <a:lstStyle/>
           <a:p>
-            <a:pPr algn="l" indent="0" marL="0">
+            <a:pPr marL="0" indent="0" algn="l">
               <a:lnSpc>
                 <a:spcPts val="1300"/>
               </a:lnSpc>
@@ -7825,7 +7630,7 @@
           <a:bodyPr wrap="square" lIns="76200" tIns="38100" rIns="76200" bIns="38100" rtlCol="0" anchor="t"/>
           <a:lstStyle/>
           <a:p>
-            <a:pPr algn="ctr" indent="0" marL="0">
+            <a:pPr marL="0" indent="0" algn="ctr">
               <a:buNone/>
             </a:pPr>
             <a:r>
@@ -7865,6 +7670,13 @@
             <a:prstDash val="solid"/>
           </a:ln>
         </p:spPr>
+        <p:txBody>
+          <a:bodyPr/>
+          <a:lstStyle/>
+          <a:p>
+            <a:endParaRPr lang="ja-JP" altLang="en-US"/>
+          </a:p>
+        </p:txBody>
       </p:sp>
       <p:sp>
         <p:nvSpPr>
@@ -7887,7 +7699,7 @@
           <a:bodyPr wrap="square" lIns="0" tIns="0" rIns="0" bIns="0" rtlCol="0" anchor="t"/>
           <a:lstStyle/>
           <a:p>
-            <a:pPr algn="l" indent="0" marL="0">
+            <a:pPr marL="0" indent="0" algn="l">
               <a:buNone/>
             </a:pPr>
             <a:r>
@@ -7926,7 +7738,7 @@
           <a:bodyPr wrap="square" lIns="0" tIns="0" rIns="127000" bIns="0" rtlCol="0" anchor="t"/>
           <a:lstStyle/>
           <a:p>
-            <a:pPr algn="l" indent="0" marL="0">
+            <a:pPr marL="0" indent="0" algn="l">
               <a:lnSpc>
                 <a:spcPts val="1300"/>
               </a:lnSpc>
@@ -7968,7 +7780,7 @@
           <a:bodyPr wrap="square" lIns="76200" tIns="38100" rIns="76200" bIns="38100" rtlCol="0" anchor="t"/>
           <a:lstStyle/>
           <a:p>
-            <a:pPr algn="ctr" indent="0" marL="0">
+            <a:pPr marL="0" indent="0" algn="ctr">
               <a:buNone/>
             </a:pPr>
             <a:r>
@@ -8008,6 +7820,13 @@
             <a:prstDash val="solid"/>
           </a:ln>
         </p:spPr>
+        <p:txBody>
+          <a:bodyPr/>
+          <a:lstStyle/>
+          <a:p>
+            <a:endParaRPr lang="ja-JP" altLang="en-US"/>
+          </a:p>
+        </p:txBody>
       </p:sp>
       <p:sp>
         <p:nvSpPr>
@@ -8030,7 +7849,7 @@
           <a:bodyPr wrap="square" lIns="0" tIns="0" rIns="0" bIns="0" rtlCol="0" anchor="t"/>
           <a:lstStyle/>
           <a:p>
-            <a:pPr algn="l" indent="0" marL="0">
+            <a:pPr marL="0" indent="0" algn="l">
               <a:buNone/>
             </a:pPr>
             <a:r>
@@ -8069,7 +7888,7 @@
           <a:bodyPr wrap="square" lIns="0" tIns="0" rIns="127000" bIns="0" rtlCol="0" anchor="t"/>
           <a:lstStyle/>
           <a:p>
-            <a:pPr algn="l" indent="0" marL="0">
+            <a:pPr marL="0" indent="0" algn="l">
               <a:lnSpc>
                 <a:spcPts val="1300"/>
               </a:lnSpc>
@@ -8111,7 +7930,7 @@
           <a:bodyPr wrap="square" lIns="76200" tIns="38100" rIns="76200" bIns="38100" rtlCol="0" anchor="t"/>
           <a:lstStyle/>
           <a:p>
-            <a:pPr algn="ctr" indent="0" marL="0">
+            <a:pPr marL="0" indent="0" algn="ctr">
               <a:buNone/>
             </a:pPr>
             <a:r>
@@ -8150,7 +7969,7 @@
           <a:bodyPr wrap="square" lIns="0" tIns="0" rIns="0" bIns="0" rtlCol="0" anchor="t"/>
           <a:lstStyle/>
           <a:p>
-            <a:pPr algn="l" indent="0" marL="0">
+            <a:pPr marL="0" indent="0" algn="l">
               <a:buNone/>
             </a:pPr>
             <a:r>
@@ -8189,7 +8008,7 @@
           <a:bodyPr wrap="square" lIns="0" tIns="0" rIns="127000" bIns="0" rtlCol="0" anchor="t"/>
           <a:lstStyle/>
           <a:p>
-            <a:pPr algn="l" indent="0" marL="0">
+            <a:pPr marL="0" indent="0" algn="l">
               <a:lnSpc>
                 <a:spcPts val="1300"/>
               </a:lnSpc>
@@ -8231,7 +8050,7 @@
           <a:bodyPr wrap="square" lIns="76200" tIns="38100" rIns="76200" bIns="38100" rtlCol="0" anchor="t"/>
           <a:lstStyle/>
           <a:p>
-            <a:pPr algn="ctr" indent="0" marL="0">
+            <a:pPr marL="0" indent="0" algn="ctr">
               <a:buNone/>
             </a:pPr>
             <a:r>
@@ -8270,7 +8089,7 @@
           <a:bodyPr wrap="square" rtlCol="0" anchor="ctr"/>
           <a:lstStyle/>
           <a:p>
-            <a:pPr algn="ctr" indent="0" marL="0">
+            <a:pPr marL="0" indent="0" algn="ctr">
               <a:buNone/>
             </a:pPr>
             <a:r>
@@ -8301,6 +8120,7 @@
         <a:solidFill>
           <a:srgbClr val="F4F6F6"/>
         </a:solidFill>
+        <a:effectLst/>
       </p:bgPr>
     </p:bg>
     <p:spTree>
@@ -8340,7 +8160,7 @@
           <a:bodyPr wrap="square" rtlCol="0" anchor="ctr"/>
           <a:lstStyle/>
           <a:p>
-            <a:pPr indent="0" marL="0">
+            <a:pPr marL="0" indent="0">
               <a:buNone/>
             </a:pPr>
             <a:endParaRPr lang="en-US" dirty="0"/>
@@ -8368,7 +8188,7 @@
           <a:bodyPr wrap="square" lIns="0" tIns="0" rIns="0" bIns="0" rtlCol="0" anchor="t"/>
           <a:lstStyle/>
           <a:p>
-            <a:pPr algn="l" indent="0" marL="0">
+            <a:pPr marL="0" indent="0" algn="l">
               <a:buNone/>
             </a:pPr>
             <a:r>
@@ -8407,7 +8227,7 @@
           <a:bodyPr wrap="square" lIns="0" tIns="0" rIns="0" bIns="0" rtlCol="0" anchor="t"/>
           <a:lstStyle/>
           <a:p>
-            <a:pPr algn="l" indent="0" marL="0">
+            <a:pPr marL="0" indent="0" algn="l">
               <a:spcBef>
                 <a:spcPts val="500"/>
               </a:spcBef>
@@ -8447,7 +8267,7 @@
           </a:solidFill>
           <a:ln/>
           <a:effectLst>
-            <a:outerShdw sx="100000" sy="100000" kx="0" ky="0" algn="bl" rotWithShape="0" blurRad="38100" dist="19050" dir="5400000">
+            <a:outerShdw blurRad="38100" dist="19050" dir="5400000" algn="bl" rotWithShape="0">
               <a:srgbClr val="000000">
                 <a:alpha val="10000"/>
               </a:srgbClr>
@@ -8458,7 +8278,7 @@
           <a:bodyPr wrap="square" rtlCol="0" anchor="ctr"/>
           <a:lstStyle/>
           <a:p>
-            <a:pPr indent="0" marL="0">
+            <a:pPr marL="0" indent="0">
               <a:buNone/>
             </a:pPr>
             <a:endParaRPr lang="en-US" dirty="0"/>
@@ -8487,6 +8307,13 @@
             <a:prstDash val="solid"/>
           </a:ln>
         </p:spPr>
+        <p:txBody>
+          <a:bodyPr/>
+          <a:lstStyle/>
+          <a:p>
+            <a:endParaRPr lang="ja-JP" altLang="en-US"/>
+          </a:p>
+        </p:txBody>
       </p:sp>
       <p:sp>
         <p:nvSpPr>
@@ -8509,7 +8336,7 @@
           <a:bodyPr wrap="square" lIns="0" tIns="0" rIns="0" bIns="0" rtlCol="0" anchor="t"/>
           <a:lstStyle/>
           <a:p>
-            <a:pPr algn="l" indent="0" marL="0">
+            <a:pPr marL="0" indent="0" algn="l">
               <a:buNone/>
             </a:pPr>
             <a:r>
@@ -8548,7 +8375,7 @@
           <a:bodyPr wrap="square" lIns="0" tIns="0" rIns="0" bIns="0" rtlCol="0" anchor="t"/>
           <a:lstStyle/>
           <a:p>
-            <a:pPr algn="l" indent="0" marL="0">
+            <a:pPr marL="0" indent="0" algn="l">
               <a:buNone/>
             </a:pPr>
             <a:r>
@@ -8587,7 +8414,7 @@
           <a:bodyPr wrap="square" lIns="0" tIns="0" rIns="0" bIns="0" rtlCol="0" anchor="t"/>
           <a:lstStyle/>
           <a:p>
-            <a:pPr algn="l" indent="0" marL="0">
+            <a:pPr marL="0" indent="0" algn="l">
               <a:spcAft>
                 <a:spcPts val="400"/>
               </a:spcAft>
@@ -8629,7 +8456,7 @@
           <a:bodyPr wrap="square" lIns="0" tIns="0" rIns="0" bIns="0" rtlCol="0" anchor="t"/>
           <a:lstStyle/>
           <a:p>
-            <a:pPr algn="l" indent="0" marL="0">
+            <a:pPr marL="0" indent="0" algn="l">
               <a:lnSpc>
                 <a:spcPts val="1400"/>
               </a:lnSpc>
@@ -8644,9 +8471,76 @@
                 <a:ea typeface="Arial" pitchFamily="34" charset="-122"/>
                 <a:cs typeface="Arial" pitchFamily="34" charset="-120"/>
               </a:rPr>
-              <a:t>Windows環境でSystem.exit(0)が</a:t>
-            </a:r>
-            <a:pPr algn="l" indent="0" marL="0">
+              <a:t>Windows環境でSystem.exit(0)がRuntime.exec()で起動した子プロセスまで終了させてしまうリグレッションを修正</a:t>
+            </a:r>
+            <a:endParaRPr lang="en-US" sz="1000" dirty="0"/>
+          </a:p>
+        </p:txBody>
+      </p:sp>
+      <p:sp>
+        <p:nvSpPr>
+          <p:cNvPr id="11" name="Text 9"/>
+          <p:cNvSpPr/>
+          <p:nvPr/>
+        </p:nvSpPr>
+        <p:spPr>
+          <a:xfrm>
+            <a:off x="4705350" y="2396877"/>
+            <a:ext cx="3750335" cy="161925"/>
+          </a:xfrm>
+          <a:prstGeom prst="rect">
+            <a:avLst/>
+          </a:prstGeom>
+          <a:noFill/>
+          <a:ln/>
+        </p:spPr>
+        <p:txBody>
+          <a:bodyPr wrap="square" lIns="0" tIns="0" rIns="0" bIns="0" rtlCol="0" anchor="t"/>
+          <a:lstStyle/>
+          <a:p>
+            <a:pPr marL="0" indent="0" algn="l">
+              <a:spcAft>
+                <a:spcPts val="400"/>
+              </a:spcAft>
+              <a:buNone/>
+            </a:pPr>
+            <a:r>
+              <a:rPr lang="en-US" sz="900" b="1" dirty="0">
+                <a:solidFill>
+                  <a:srgbClr val="5D6D7E"/>
+                </a:solidFill>
+                <a:latin typeface="Arial" pitchFamily="34" charset="0"/>
+                <a:ea typeface="Arial" pitchFamily="34" charset="-122"/>
+                <a:cs typeface="Arial" pitchFamily="34" charset="-120"/>
+              </a:rPr>
+              <a:t>影響評価</a:t>
+            </a:r>
+            <a:endParaRPr lang="en-US" sz="900" dirty="0"/>
+          </a:p>
+        </p:txBody>
+      </p:sp>
+      <p:sp>
+        <p:nvSpPr>
+          <p:cNvPr id="12" name="Text 10"/>
+          <p:cNvSpPr/>
+          <p:nvPr/>
+        </p:nvSpPr>
+        <p:spPr>
+          <a:xfrm>
+            <a:off x="4705350" y="2609552"/>
+            <a:ext cx="3750335" cy="355402"/>
+          </a:xfrm>
+          <a:prstGeom prst="rect">
+            <a:avLst/>
+          </a:prstGeom>
+          <a:noFill/>
+          <a:ln/>
+        </p:spPr>
+        <p:txBody>
+          <a:bodyPr wrap="square" lIns="0" tIns="0" rIns="0" bIns="0" rtlCol="0" anchor="t"/>
+          <a:lstStyle/>
+          <a:p>
+            <a:pPr marL="0" indent="0" algn="l">
               <a:lnSpc>
                 <a:spcPts val="1400"/>
               </a:lnSpc>
@@ -8661,107 +8555,6 @@
                 <a:ea typeface="Arial" pitchFamily="34" charset="-122"/>
                 <a:cs typeface="Arial" pitchFamily="34" charset="-120"/>
               </a:rPr>
-              <a:t>Runtime.exec()で起動した子プロセスまで終了させてしまう</a:t>
-            </a:r>
-            <a:pPr algn="l" indent="0" marL="0">
-              <a:lnSpc>
-                <a:spcPts val="1400"/>
-              </a:lnSpc>
-              <a:buNone/>
-            </a:pPr>
-            <a:r>
-              <a:rPr lang="en-US" sz="1000" dirty="0">
-                <a:solidFill>
-                  <a:srgbClr val="2C3E50"/>
-                </a:solidFill>
-                <a:latin typeface="Arial" pitchFamily="34" charset="0"/>
-                <a:ea typeface="Arial" pitchFamily="34" charset="-122"/>
-                <a:cs typeface="Arial" pitchFamily="34" charset="-120"/>
-              </a:rPr>
-              <a:t>リグレッションを修正</a:t>
-            </a:r>
-            <a:endParaRPr lang="en-US" sz="1000" dirty="0"/>
-          </a:p>
-        </p:txBody>
-      </p:sp>
-      <p:sp>
-        <p:nvSpPr>
-          <p:cNvPr id="11" name="Text 9"/>
-          <p:cNvSpPr/>
-          <p:nvPr/>
-        </p:nvSpPr>
-        <p:spPr>
-          <a:xfrm>
-            <a:off x="4705350" y="2396877"/>
-            <a:ext cx="3750335" cy="161925"/>
-          </a:xfrm>
-          <a:prstGeom prst="rect">
-            <a:avLst/>
-          </a:prstGeom>
-          <a:noFill/>
-          <a:ln/>
-        </p:spPr>
-        <p:txBody>
-          <a:bodyPr wrap="square" lIns="0" tIns="0" rIns="0" bIns="0" rtlCol="0" anchor="t"/>
-          <a:lstStyle/>
-          <a:p>
-            <a:pPr algn="l" indent="0" marL="0">
-              <a:spcAft>
-                <a:spcPts val="400"/>
-              </a:spcAft>
-              <a:buNone/>
-            </a:pPr>
-            <a:r>
-              <a:rPr lang="en-US" sz="900" b="1" dirty="0">
-                <a:solidFill>
-                  <a:srgbClr val="5D6D7E"/>
-                </a:solidFill>
-                <a:latin typeface="Arial" pitchFamily="34" charset="0"/>
-                <a:ea typeface="Arial" pitchFamily="34" charset="-122"/>
-                <a:cs typeface="Arial" pitchFamily="34" charset="-120"/>
-              </a:rPr>
-              <a:t>影響評価</a:t>
-            </a:r>
-            <a:endParaRPr lang="en-US" sz="900" dirty="0"/>
-          </a:p>
-        </p:txBody>
-      </p:sp>
-      <p:sp>
-        <p:nvSpPr>
-          <p:cNvPr id="12" name="Text 10"/>
-          <p:cNvSpPr/>
-          <p:nvPr/>
-        </p:nvSpPr>
-        <p:spPr>
-          <a:xfrm>
-            <a:off x="4705350" y="2609552"/>
-            <a:ext cx="3750335" cy="355402"/>
-          </a:xfrm>
-          <a:prstGeom prst="rect">
-            <a:avLst/>
-          </a:prstGeom>
-          <a:noFill/>
-          <a:ln/>
-        </p:spPr>
-        <p:txBody>
-          <a:bodyPr wrap="square" lIns="0" tIns="0" rIns="0" bIns="0" rtlCol="0" anchor="t"/>
-          <a:lstStyle/>
-          <a:p>
-            <a:pPr algn="l" indent="0" marL="0">
-              <a:lnSpc>
-                <a:spcPts val="1400"/>
-              </a:lnSpc>
-              <a:buNone/>
-            </a:pPr>
-            <a:r>
-              <a:rPr lang="en-US" sz="1000" dirty="0">
-                <a:solidFill>
-                  <a:srgbClr val="2C3E50"/>
-                </a:solidFill>
-                <a:latin typeface="Arial" pitchFamily="34" charset="0"/>
-                <a:ea typeface="Arial" pitchFamily="34" charset="-122"/>
-                <a:cs typeface="Arial" pitchFamily="34" charset="-120"/>
-              </a:rPr>
               <a:t>外部ヘルパーツールやアップデータを起動するアプリケーションにとって致命的。21.0.8で正常動作に復元。</a:t>
             </a:r>
             <a:endParaRPr lang="en-US" sz="1000" dirty="0"/>
@@ -8787,7 +8580,7 @@
           </a:solidFill>
           <a:ln/>
           <a:effectLst>
-            <a:outerShdw sx="100000" sy="100000" kx="0" ky="0" algn="bl" rotWithShape="0" blurRad="38100" dist="19050" dir="5400000">
+            <a:outerShdw blurRad="38100" dist="19050" dir="5400000" algn="bl" rotWithShape="0">
               <a:srgbClr val="000000">
                 <a:alpha val="10000"/>
               </a:srgbClr>
@@ -8798,7 +8591,7 @@
           <a:bodyPr wrap="square" rtlCol="0" anchor="ctr"/>
           <a:lstStyle/>
           <a:p>
-            <a:pPr indent="0" marL="0">
+            <a:pPr marL="0" indent="0">
               <a:buNone/>
             </a:pPr>
             <a:endParaRPr lang="en-US" dirty="0"/>
@@ -8827,6 +8620,13 @@
             <a:prstDash val="solid"/>
           </a:ln>
         </p:spPr>
+        <p:txBody>
+          <a:bodyPr/>
+          <a:lstStyle/>
+          <a:p>
+            <a:endParaRPr lang="ja-JP" altLang="en-US"/>
+          </a:p>
+        </p:txBody>
       </p:sp>
       <p:sp>
         <p:nvSpPr>
@@ -8849,7 +8649,7 @@
           <a:bodyPr wrap="square" lIns="0" tIns="0" rIns="0" bIns="0" rtlCol="0" anchor="t"/>
           <a:lstStyle/>
           <a:p>
-            <a:pPr algn="l" indent="0" marL="0">
+            <a:pPr marL="0" indent="0" algn="l">
               <a:buNone/>
             </a:pPr>
             <a:r>
@@ -8888,7 +8688,7 @@
           <a:bodyPr wrap="square" lIns="0" tIns="0" rIns="0" bIns="0" rtlCol="0" anchor="t"/>
           <a:lstStyle/>
           <a:p>
-            <a:pPr algn="l" indent="0" marL="0">
+            <a:pPr marL="0" indent="0" algn="l">
               <a:buNone/>
             </a:pPr>
             <a:r>
@@ -8927,7 +8727,7 @@
           <a:bodyPr wrap="square" lIns="0" tIns="0" rIns="0" bIns="0" rtlCol="0" anchor="t"/>
           <a:lstStyle/>
           <a:p>
-            <a:pPr algn="l" indent="0" marL="0">
+            <a:pPr marL="0" indent="0" algn="l">
               <a:spcAft>
                 <a:spcPts val="400"/>
               </a:spcAft>
@@ -8969,7 +8769,7 @@
           <a:bodyPr wrap="square" lIns="0" tIns="0" rIns="0" bIns="0" rtlCol="0" anchor="t"/>
           <a:lstStyle/>
           <a:p>
-            <a:pPr algn="l" indent="0" marL="0">
+            <a:pPr marL="0" indent="0" algn="l">
               <a:lnSpc>
                 <a:spcPts val="1400"/>
               </a:lnSpc>
@@ -8984,9 +8784,76 @@
                 <a:ea typeface="Arial" pitchFamily="34" charset="-122"/>
                 <a:cs typeface="Arial" pitchFamily="34" charset="-120"/>
               </a:rPr>
-              <a:t>ForkJoinPool.commonPool()がクラスのアンロードを妨げる問題と、</a:t>
-            </a:r>
-            <a:pPr algn="l" indent="0" marL="0">
+              <a:t>ForkJoinPool.commonPool()がクラスのアンロードを妨げる問題と、Thread.setContextClassLoader()の挙動破壊を修正</a:t>
+            </a:r>
+            <a:endParaRPr lang="en-US" sz="1000" dirty="0"/>
+          </a:p>
+        </p:txBody>
+      </p:sp>
+      <p:sp>
+        <p:nvSpPr>
+          <p:cNvPr id="19" name="Text 17"/>
+          <p:cNvSpPr/>
+          <p:nvPr/>
+        </p:nvSpPr>
+        <p:spPr>
+          <a:xfrm>
+            <a:off x="4705350" y="3863429"/>
+            <a:ext cx="3750335" cy="161925"/>
+          </a:xfrm>
+          <a:prstGeom prst="rect">
+            <a:avLst/>
+          </a:prstGeom>
+          <a:noFill/>
+          <a:ln/>
+        </p:spPr>
+        <p:txBody>
+          <a:bodyPr wrap="square" lIns="0" tIns="0" rIns="0" bIns="0" rtlCol="0" anchor="t"/>
+          <a:lstStyle/>
+          <a:p>
+            <a:pPr marL="0" indent="0" algn="l">
+              <a:spcAft>
+                <a:spcPts val="400"/>
+              </a:spcAft>
+              <a:buNone/>
+            </a:pPr>
+            <a:r>
+              <a:rPr lang="en-US" sz="900" b="1" dirty="0">
+                <a:solidFill>
+                  <a:srgbClr val="5D6D7E"/>
+                </a:solidFill>
+                <a:latin typeface="Arial" pitchFamily="34" charset="0"/>
+                <a:ea typeface="Arial" pitchFamily="34" charset="-122"/>
+                <a:cs typeface="Arial" pitchFamily="34" charset="-120"/>
+              </a:rPr>
+              <a:t>影響評価</a:t>
+            </a:r>
+            <a:endParaRPr lang="en-US" sz="900" dirty="0"/>
+          </a:p>
+        </p:txBody>
+      </p:sp>
+      <p:sp>
+        <p:nvSpPr>
+          <p:cNvPr id="20" name="Text 18"/>
+          <p:cNvSpPr/>
+          <p:nvPr/>
+        </p:nvSpPr>
+        <p:spPr>
+          <a:xfrm>
+            <a:off x="4705350" y="4076105"/>
+            <a:ext cx="3750335" cy="533102"/>
+          </a:xfrm>
+          <a:prstGeom prst="rect">
+            <a:avLst/>
+          </a:prstGeom>
+          <a:noFill/>
+          <a:ln/>
+        </p:spPr>
+        <p:txBody>
+          <a:bodyPr wrap="square" lIns="0" tIns="0" rIns="0" bIns="0" rtlCol="0" anchor="t"/>
+          <a:lstStyle/>
+          <a:p>
+            <a:pPr marL="0" indent="0" algn="l">
               <a:lnSpc>
                 <a:spcPts val="1400"/>
               </a:lnSpc>
@@ -9001,107 +8868,6 @@
                 <a:ea typeface="Arial" pitchFamily="34" charset="-122"/>
                 <a:cs typeface="Arial" pitchFamily="34" charset="-120"/>
               </a:rPr>
-              <a:t>Thread.setContextClassLoader()の挙動破壊</a:t>
-            </a:r>
-            <a:pPr algn="l" indent="0" marL="0">
-              <a:lnSpc>
-                <a:spcPts val="1400"/>
-              </a:lnSpc>
-              <a:buNone/>
-            </a:pPr>
-            <a:r>
-              <a:rPr lang="en-US" sz="1000" dirty="0">
-                <a:solidFill>
-                  <a:srgbClr val="2C3E50"/>
-                </a:solidFill>
-                <a:latin typeface="Arial" pitchFamily="34" charset="0"/>
-                <a:ea typeface="Arial" pitchFamily="34" charset="-122"/>
-                <a:cs typeface="Arial" pitchFamily="34" charset="-120"/>
-              </a:rPr>
-              <a:t>を修正</a:t>
-            </a:r>
-            <a:endParaRPr lang="en-US" sz="1000" dirty="0"/>
-          </a:p>
-        </p:txBody>
-      </p:sp>
-      <p:sp>
-        <p:nvSpPr>
-          <p:cNvPr id="19" name="Text 17"/>
-          <p:cNvSpPr/>
-          <p:nvPr/>
-        </p:nvSpPr>
-        <p:spPr>
-          <a:xfrm>
-            <a:off x="4705350" y="3863429"/>
-            <a:ext cx="3750335" cy="161925"/>
-          </a:xfrm>
-          <a:prstGeom prst="rect">
-            <a:avLst/>
-          </a:prstGeom>
-          <a:noFill/>
-          <a:ln/>
-        </p:spPr>
-        <p:txBody>
-          <a:bodyPr wrap="square" lIns="0" tIns="0" rIns="0" bIns="0" rtlCol="0" anchor="t"/>
-          <a:lstStyle/>
-          <a:p>
-            <a:pPr algn="l" indent="0" marL="0">
-              <a:spcAft>
-                <a:spcPts val="400"/>
-              </a:spcAft>
-              <a:buNone/>
-            </a:pPr>
-            <a:r>
-              <a:rPr lang="en-US" sz="900" b="1" dirty="0">
-                <a:solidFill>
-                  <a:srgbClr val="5D6D7E"/>
-                </a:solidFill>
-                <a:latin typeface="Arial" pitchFamily="34" charset="0"/>
-                <a:ea typeface="Arial" pitchFamily="34" charset="-122"/>
-                <a:cs typeface="Arial" pitchFamily="34" charset="-120"/>
-              </a:rPr>
-              <a:t>影響評価</a:t>
-            </a:r>
-            <a:endParaRPr lang="en-US" sz="900" dirty="0"/>
-          </a:p>
-        </p:txBody>
-      </p:sp>
-      <p:sp>
-        <p:nvSpPr>
-          <p:cNvPr id="20" name="Text 18"/>
-          <p:cNvSpPr/>
-          <p:nvPr/>
-        </p:nvSpPr>
-        <p:spPr>
-          <a:xfrm>
-            <a:off x="4705350" y="4076105"/>
-            <a:ext cx="3750335" cy="533102"/>
-          </a:xfrm>
-          <a:prstGeom prst="rect">
-            <a:avLst/>
-          </a:prstGeom>
-          <a:noFill/>
-          <a:ln/>
-        </p:spPr>
-        <p:txBody>
-          <a:bodyPr wrap="square" lIns="0" tIns="0" rIns="0" bIns="0" rtlCol="0" anchor="t"/>
-          <a:lstStyle/>
-          <a:p>
-            <a:pPr algn="l" indent="0" marL="0">
-              <a:lnSpc>
-                <a:spcPts val="1400"/>
-              </a:lnSpc>
-              <a:buNone/>
-            </a:pPr>
-            <a:r>
-              <a:rPr lang="en-US" sz="1000" dirty="0">
-                <a:solidFill>
-                  <a:srgbClr val="2C3E50"/>
-                </a:solidFill>
-                <a:latin typeface="Arial" pitchFamily="34" charset="0"/>
-                <a:ea typeface="Arial" pitchFamily="34" charset="-122"/>
-                <a:cs typeface="Arial" pitchFamily="34" charset="-120"/>
-              </a:rPr>
               <a:t>並列ストリームや非同期フレームワークを使用するアプリケーションに広範囲な影響。多くのJavaライブラリ・フレームワークが影響を受けていた。</a:t>
             </a:r>
             <a:endParaRPr lang="en-US" sz="1000" dirty="0"/>
@@ -9129,7 +8895,7 @@
           <a:bodyPr wrap="square" rtlCol="0" anchor="ctr"/>
           <a:lstStyle/>
           <a:p>
-            <a:pPr algn="ctr" indent="0" marL="0">
+            <a:pPr marL="0" indent="0" algn="ctr">
               <a:buNone/>
             </a:pPr>
             <a:r>
@@ -9160,6 +8926,7 @@
         <a:solidFill>
           <a:srgbClr val="F4F6F6"/>
         </a:solidFill>
+        <a:effectLst/>
       </p:bgPr>
     </p:bg>
     <p:spTree>
@@ -9199,7 +8966,7 @@
           <a:bodyPr wrap="square" rtlCol="0" anchor="ctr"/>
           <a:lstStyle/>
           <a:p>
-            <a:pPr indent="0" marL="0">
+            <a:pPr marL="0" indent="0">
               <a:buNone/>
             </a:pPr>
             <a:endParaRPr lang="en-US" dirty="0"/>
@@ -9227,7 +8994,7 @@
           <a:bodyPr wrap="square" lIns="0" tIns="0" rIns="0" bIns="0" rtlCol="0" anchor="t"/>
           <a:lstStyle/>
           <a:p>
-            <a:pPr algn="l" indent="0" marL="0">
+            <a:pPr marL="0" indent="0" algn="l">
               <a:buNone/>
             </a:pPr>
             <a:r>
@@ -9266,7 +9033,7 @@
           <a:bodyPr wrap="square" lIns="0" tIns="0" rIns="0" bIns="0" rtlCol="0" anchor="t"/>
           <a:lstStyle/>
           <a:p>
-            <a:pPr algn="l" indent="0" marL="0">
+            <a:pPr marL="0" indent="0" algn="l">
               <a:spcBef>
                 <a:spcPts val="200"/>
               </a:spcBef>
@@ -9312,7 +9079,7 @@
           <a:bodyPr wrap="square" rtlCol="0" anchor="ctr"/>
           <a:lstStyle/>
           <a:p>
-            <a:pPr indent="0" marL="0">
+            <a:pPr marL="0" indent="0">
               <a:buNone/>
             </a:pPr>
             <a:endParaRPr lang="en-US" dirty="0"/>
@@ -9340,7 +9107,7 @@
           <a:bodyPr wrap="square" lIns="0" tIns="0" rIns="0" bIns="0" rtlCol="0" anchor="t"/>
           <a:lstStyle/>
           <a:p>
-            <a:pPr algn="l" indent="0" marL="0">
+            <a:pPr marL="0" indent="0" algn="l">
               <a:buNone/>
             </a:pPr>
             <a:r>
@@ -9377,7 +9144,7 @@
           </a:solidFill>
           <a:ln/>
           <a:effectLst>
-            <a:outerShdw sx="100000" sy="100000" kx="0" ky="0" algn="bl" rotWithShape="0" blurRad="38100" dist="19050" dir="5400000">
+            <a:outerShdw blurRad="38100" dist="19050" dir="5400000" algn="bl" rotWithShape="0">
               <a:srgbClr val="000000">
                 <a:alpha val="10000"/>
               </a:srgbClr>
@@ -9388,7 +9155,7 @@
           <a:bodyPr wrap="square" rtlCol="0" anchor="ctr"/>
           <a:lstStyle/>
           <a:p>
-            <a:pPr indent="0" marL="0">
+            <a:pPr marL="0" indent="0">
               <a:buNone/>
             </a:pPr>
             <a:endParaRPr lang="en-US" dirty="0"/>
@@ -9417,6 +9184,13 @@
             <a:prstDash val="solid"/>
           </a:ln>
         </p:spPr>
+        <p:txBody>
+          <a:bodyPr/>
+          <a:lstStyle/>
+          <a:p>
+            <a:endParaRPr lang="ja-JP" altLang="en-US"/>
+          </a:p>
+        </p:txBody>
       </p:sp>
       <p:sp>
         <p:nvSpPr>
@@ -9439,7 +9213,7 @@
           <a:bodyPr wrap="square" lIns="0" tIns="0" rIns="0" bIns="0" rtlCol="0" anchor="t"/>
           <a:lstStyle/>
           <a:p>
-            <a:pPr algn="l" indent="0" marL="0">
+            <a:pPr marL="0" indent="0" algn="l">
               <a:spcAft>
                 <a:spcPts val="300"/>
               </a:spcAft>
@@ -9481,7 +9255,7 @@
           <a:bodyPr wrap="square" lIns="0" tIns="0" rIns="0" bIns="0" rtlCol="0" anchor="t"/>
           <a:lstStyle/>
           <a:p>
-            <a:pPr algn="l" indent="0" marL="0">
+            <a:pPr marL="0" indent="0" algn="l">
               <a:spcAft>
                 <a:spcPts val="500"/>
               </a:spcAft>
@@ -9523,7 +9297,7 @@
           <a:bodyPr wrap="square" lIns="0" tIns="0" rIns="0" bIns="0" rtlCol="0" anchor="t"/>
           <a:lstStyle/>
           <a:p>
-            <a:pPr algn="l" indent="0" marL="0">
+            <a:pPr marL="0" indent="0" algn="l">
               <a:lnSpc>
                 <a:spcPts val="1080"/>
               </a:lnSpc>
@@ -9569,7 +9343,7 @@
           <a:bodyPr wrap="square" rtlCol="0" anchor="ctr"/>
           <a:lstStyle/>
           <a:p>
-            <a:pPr indent="0" marL="0">
+            <a:pPr marL="0" indent="0">
               <a:buNone/>
             </a:pPr>
             <a:endParaRPr lang="en-US" dirty="0"/>
@@ -9597,7 +9371,7 @@
           <a:bodyPr wrap="square" lIns="0" tIns="0" rIns="0" bIns="0" rtlCol="0" anchor="t"/>
           <a:lstStyle/>
           <a:p>
-            <a:pPr algn="l" indent="0" marL="0">
+            <a:pPr marL="0" indent="0" algn="l">
               <a:buNone/>
             </a:pPr>
             <a:r>
@@ -9634,7 +9408,7 @@
           </a:solidFill>
           <a:ln/>
           <a:effectLst>
-            <a:outerShdw sx="100000" sy="100000" kx="0" ky="0" algn="bl" rotWithShape="0" blurRad="38100" dist="19050" dir="5400000">
+            <a:outerShdw blurRad="38100" dist="19050" dir="5400000" algn="bl" rotWithShape="0">
               <a:srgbClr val="000000">
                 <a:alpha val="10000"/>
               </a:srgbClr>
@@ -9645,7 +9419,7 @@
           <a:bodyPr wrap="square" rtlCol="0" anchor="ctr"/>
           <a:lstStyle/>
           <a:p>
-            <a:pPr indent="0" marL="0">
+            <a:pPr marL="0" indent="0">
               <a:buNone/>
             </a:pPr>
             <a:endParaRPr lang="en-US" dirty="0"/>
@@ -9674,6 +9448,13 @@
             <a:prstDash val="solid"/>
           </a:ln>
         </p:spPr>
+        <p:txBody>
+          <a:bodyPr/>
+          <a:lstStyle/>
+          <a:p>
+            <a:endParaRPr lang="ja-JP" altLang="en-US"/>
+          </a:p>
+        </p:txBody>
       </p:sp>
       <p:sp>
         <p:nvSpPr>
@@ -9696,7 +9477,7 @@
           <a:bodyPr wrap="square" lIns="0" tIns="0" rIns="0" bIns="0" rtlCol="0" anchor="t"/>
           <a:lstStyle/>
           <a:p>
-            <a:pPr algn="l" indent="0" marL="0">
+            <a:pPr marL="0" indent="0" algn="l">
               <a:spcAft>
                 <a:spcPts val="300"/>
               </a:spcAft>
@@ -9738,7 +9519,7 @@
           <a:bodyPr wrap="square" lIns="0" tIns="0" rIns="0" bIns="0" rtlCol="0" anchor="t"/>
           <a:lstStyle/>
           <a:p>
-            <a:pPr algn="l" indent="0" marL="0">
+            <a:pPr marL="0" indent="0" algn="l">
               <a:spcAft>
                 <a:spcPts val="500"/>
               </a:spcAft>
@@ -9780,7 +9561,7 @@
           <a:bodyPr wrap="square" lIns="0" tIns="0" rIns="0" bIns="0" rtlCol="0" anchor="t"/>
           <a:lstStyle/>
           <a:p>
-            <a:pPr algn="l" indent="0" marL="0">
+            <a:pPr marL="0" indent="0" algn="l">
               <a:lnSpc>
                 <a:spcPts val="1080"/>
               </a:lnSpc>
@@ -9820,7 +9601,7 @@
           </a:solidFill>
           <a:ln/>
           <a:effectLst>
-            <a:outerShdw sx="100000" sy="100000" kx="0" ky="0" algn="bl" rotWithShape="0" blurRad="38100" dist="19050" dir="5400000">
+            <a:outerShdw blurRad="38100" dist="19050" dir="5400000" algn="bl" rotWithShape="0">
               <a:srgbClr val="000000">
                 <a:alpha val="10000"/>
               </a:srgbClr>
@@ -9831,7 +9612,7 @@
           <a:bodyPr wrap="square" rtlCol="0" anchor="ctr"/>
           <a:lstStyle/>
           <a:p>
-            <a:pPr indent="0" marL="0">
+            <a:pPr marL="0" indent="0">
               <a:buNone/>
             </a:pPr>
             <a:endParaRPr lang="en-US" dirty="0"/>
@@ -9860,6 +9641,13 @@
             <a:prstDash val="solid"/>
           </a:ln>
         </p:spPr>
+        <p:txBody>
+          <a:bodyPr/>
+          <a:lstStyle/>
+          <a:p>
+            <a:endParaRPr lang="ja-JP" altLang="en-US"/>
+          </a:p>
+        </p:txBody>
       </p:sp>
       <p:sp>
         <p:nvSpPr>
@@ -9882,7 +9670,7 @@
           <a:bodyPr wrap="square" lIns="0" tIns="0" rIns="0" bIns="0" rtlCol="0" anchor="t"/>
           <a:lstStyle/>
           <a:p>
-            <a:pPr algn="l" indent="0" marL="0">
+            <a:pPr marL="0" indent="0" algn="l">
               <a:spcAft>
                 <a:spcPts val="300"/>
               </a:spcAft>
@@ -9924,7 +9712,7 @@
           <a:bodyPr wrap="square" lIns="0" tIns="0" rIns="0" bIns="0" rtlCol="0" anchor="t"/>
           <a:lstStyle/>
           <a:p>
-            <a:pPr algn="l" indent="0" marL="0">
+            <a:pPr marL="0" indent="0" algn="l">
               <a:spcAft>
                 <a:spcPts val="500"/>
               </a:spcAft>
@@ -9966,7 +9754,7 @@
           <a:bodyPr wrap="square" lIns="0" tIns="0" rIns="0" bIns="0" rtlCol="0" anchor="t"/>
           <a:lstStyle/>
           <a:p>
-            <a:pPr algn="l" indent="0" marL="0">
+            <a:pPr marL="0" indent="0" algn="l">
               <a:lnSpc>
                 <a:spcPts val="1080"/>
               </a:lnSpc>
@@ -10008,7 +9796,7 @@
           <a:bodyPr wrap="square" rtlCol="0" anchor="ctr"/>
           <a:lstStyle/>
           <a:p>
-            <a:pPr algn="ctr" indent="0" marL="0">
+            <a:pPr marL="0" indent="0" algn="ctr">
               <a:buNone/>
             </a:pPr>
             <a:r>
@@ -10039,6 +9827,7 @@
         <a:solidFill>
           <a:srgbClr val="F4F6F6"/>
         </a:solidFill>
+        <a:effectLst/>
       </p:bgPr>
     </p:bg>
     <p:spTree>
@@ -10078,7 +9867,7 @@
           <a:bodyPr wrap="square" rtlCol="0" anchor="ctr"/>
           <a:lstStyle/>
           <a:p>
-            <a:pPr indent="0" marL="0">
+            <a:pPr marL="0" indent="0">
               <a:buNone/>
             </a:pPr>
             <a:endParaRPr lang="en-US" dirty="0"/>
@@ -10106,7 +9895,7 @@
           <a:bodyPr wrap="square" lIns="0" tIns="0" rIns="0" bIns="0" rtlCol="0" anchor="t"/>
           <a:lstStyle/>
           <a:p>
-            <a:pPr algn="l" indent="0" marL="0">
+            <a:pPr marL="0" indent="0" algn="l">
               <a:buNone/>
             </a:pPr>
             <a:r>
@@ -10143,7 +9932,7 @@
           </a:solidFill>
           <a:ln/>
           <a:effectLst>
-            <a:outerShdw sx="100000" sy="100000" kx="0" ky="0" algn="bl" rotWithShape="0" blurRad="38100" dist="19050" dir="5400000">
+            <a:outerShdw blurRad="38100" dist="19050" dir="5400000" algn="bl" rotWithShape="0">
               <a:srgbClr val="000000">
                 <a:alpha val="10000"/>
               </a:srgbClr>
@@ -10154,7 +9943,7 @@
           <a:bodyPr wrap="square" rtlCol="0" anchor="ctr"/>
           <a:lstStyle/>
           <a:p>
-            <a:pPr indent="0" marL="0">
+            <a:pPr marL="0" indent="0">
               <a:buNone/>
             </a:pPr>
             <a:endParaRPr lang="en-US" dirty="0"/>
@@ -10184,7 +9973,7 @@
           <a:bodyPr wrap="square" rtlCol="0" anchor="ctr"/>
           <a:lstStyle/>
           <a:p>
-            <a:pPr indent="0" marL="0">
+            <a:pPr marL="0" indent="0">
               <a:buNone/>
             </a:pPr>
             <a:endParaRPr lang="en-US" dirty="0"/>
@@ -10212,7 +10001,7 @@
           <a:bodyPr wrap="square" lIns="0" tIns="0" rIns="0" bIns="0" rtlCol="0" anchor="t"/>
           <a:lstStyle/>
           <a:p>
-            <a:pPr algn="l" indent="0" marL="0">
+            <a:pPr marL="0" indent="0" algn="l">
               <a:buNone/>
             </a:pPr>
             <a:r>
@@ -10251,7 +10040,7 @@
           <a:bodyPr wrap="square" lIns="0" tIns="0" rIns="0" bIns="0" rtlCol="0" anchor="t"/>
           <a:lstStyle/>
           <a:p>
-            <a:pPr algn="l" indent="0" marL="0">
+            <a:pPr marL="0" indent="0" algn="l">
               <a:spcAft>
                 <a:spcPts val="500"/>
               </a:spcAft>
@@ -10293,7 +10082,7 @@
           <a:bodyPr wrap="square" lIns="0" tIns="0" rIns="0" bIns="0" rtlCol="0" anchor="t"/>
           <a:lstStyle/>
           <a:p>
-            <a:pPr algn="l" indent="0" marL="0">
+            <a:pPr marL="0" indent="0" algn="l">
               <a:lnSpc>
                 <a:spcPts val="1300"/>
               </a:lnSpc>
@@ -10310,12 +10099,6 @@
               </a:rPr>
               <a:t>符号付きバイトと符号なしバイトの扱いを修正。</a:t>
             </a:r>
-            <a:pPr algn="l" indent="0" marL="0">
-              <a:lnSpc>
-                <a:spcPts val="1300"/>
-              </a:lnSpc>
-              <a:buNone/>
-            </a:pPr>
             <a:r>
               <a:rPr lang="en-US" sz="1000" b="1" dirty="0">
                 <a:solidFill>
@@ -10327,12 +10110,6 @@
               </a:rPr>
               <a:t>SASL認証</a:t>
             </a:r>
-            <a:pPr algn="l" indent="0" marL="0">
-              <a:lnSpc>
-                <a:spcPts val="1300"/>
-              </a:lnSpc>
-              <a:buNone/>
-            </a:pPr>
             <a:r>
               <a:rPr lang="en-US" sz="1000" dirty="0">
                 <a:solidFill>
@@ -10373,7 +10150,7 @@
           <a:bodyPr wrap="square" rtlCol="0" anchor="ctr"/>
           <a:lstStyle/>
           <a:p>
-            <a:pPr indent="0" marL="0">
+            <a:pPr marL="0" indent="0">
               <a:buNone/>
             </a:pPr>
             <a:endParaRPr lang="en-US" dirty="0"/>
@@ -10401,7 +10178,7 @@
           <a:bodyPr wrap="square" lIns="0" tIns="0" rIns="0" bIns="0" rtlCol="0" anchor="t"/>
           <a:lstStyle/>
           <a:p>
-            <a:pPr algn="l" indent="0" marL="0">
+            <a:pPr marL="0" indent="0" algn="l">
               <a:buNone/>
             </a:pPr>
             <a:r>
@@ -10438,7 +10215,7 @@
           </a:solidFill>
           <a:ln/>
           <a:effectLst>
-            <a:outerShdw sx="100000" sy="100000" kx="0" ky="0" algn="bl" rotWithShape="0" blurRad="38100" dist="19050" dir="5400000">
+            <a:outerShdw blurRad="38100" dist="19050" dir="5400000" algn="bl" rotWithShape="0">
               <a:srgbClr val="000000">
                 <a:alpha val="10000"/>
               </a:srgbClr>
@@ -10449,7 +10226,7 @@
           <a:bodyPr wrap="square" rtlCol="0" anchor="ctr"/>
           <a:lstStyle/>
           <a:p>
-            <a:pPr indent="0" marL="0">
+            <a:pPr marL="0" indent="0">
               <a:buNone/>
             </a:pPr>
             <a:endParaRPr lang="en-US" dirty="0"/>
@@ -10479,7 +10256,7 @@
           <a:bodyPr wrap="square" rtlCol="0" anchor="ctr"/>
           <a:lstStyle/>
           <a:p>
-            <a:pPr indent="0" marL="0">
+            <a:pPr marL="0" indent="0">
               <a:buNone/>
             </a:pPr>
             <a:endParaRPr lang="en-US" dirty="0"/>
@@ -10507,7 +10284,7 @@
           <a:bodyPr wrap="square" lIns="0" tIns="0" rIns="0" bIns="0" rtlCol="0" anchor="t"/>
           <a:lstStyle/>
           <a:p>
-            <a:pPr algn="l" indent="0" marL="0">
+            <a:pPr marL="0" indent="0" algn="l">
               <a:buNone/>
             </a:pPr>
             <a:r>
@@ -10546,7 +10323,7 @@
           <a:bodyPr wrap="square" lIns="0" tIns="0" rIns="0" bIns="0" rtlCol="0" anchor="t"/>
           <a:lstStyle/>
           <a:p>
-            <a:pPr algn="l" indent="0" marL="0">
+            <a:pPr marL="0" indent="0" algn="l">
               <a:spcAft>
                 <a:spcPts val="500"/>
               </a:spcAft>
@@ -10588,7 +10365,7 @@
           <a:bodyPr wrap="square" lIns="0" tIns="0" rIns="0" bIns="0" rtlCol="0" anchor="t"/>
           <a:lstStyle/>
           <a:p>
-            <a:pPr algn="l" indent="0" marL="0">
+            <a:pPr marL="0" indent="0" algn="l">
               <a:lnSpc>
                 <a:spcPts val="1300"/>
               </a:lnSpc>
@@ -10605,12 +10382,6 @@
               </a:rPr>
               <a:t>2バイト文字列の反転処理を修正。</a:t>
             </a:r>
-            <a:pPr algn="l" indent="0" marL="0">
-              <a:lnSpc>
-                <a:spcPts val="1300"/>
-              </a:lnSpc>
-              <a:buNone/>
-            </a:pPr>
             <a:r>
               <a:rPr lang="en-US" sz="1000" b="1" dirty="0">
                 <a:solidFill>
@@ -10622,12 +10393,6 @@
               </a:rPr>
               <a:t>Unicode文字</a:t>
             </a:r>
-            <a:pPr algn="l" indent="0" marL="0">
-              <a:lnSpc>
-                <a:spcPts val="1300"/>
-              </a:lnSpc>
-              <a:buNone/>
-            </a:pPr>
             <a:r>
               <a:rPr lang="en-US" sz="1000" dirty="0">
                 <a:solidFill>
@@ -10668,7 +10433,7 @@
           <a:bodyPr wrap="square" rtlCol="0" anchor="ctr"/>
           <a:lstStyle/>
           <a:p>
-            <a:pPr indent="0" marL="0">
+            <a:pPr marL="0" indent="0">
               <a:buNone/>
             </a:pPr>
             <a:endParaRPr lang="en-US" dirty="0"/>
@@ -10696,7 +10461,7 @@
           <a:bodyPr wrap="square" lIns="0" tIns="0" rIns="0" bIns="0" rtlCol="0" anchor="t"/>
           <a:lstStyle/>
           <a:p>
-            <a:pPr algn="l" indent="0" marL="0">
+            <a:pPr marL="0" indent="0" algn="l">
               <a:buNone/>
             </a:pPr>
             <a:r>
@@ -10733,7 +10498,7 @@
           </a:solidFill>
           <a:ln/>
           <a:effectLst>
-            <a:outerShdw sx="100000" sy="100000" kx="0" ky="0" algn="bl" rotWithShape="0" blurRad="38100" dist="19050" dir="5400000">
+            <a:outerShdw blurRad="38100" dist="19050" dir="5400000" algn="bl" rotWithShape="0">
               <a:srgbClr val="000000">
                 <a:alpha val="10000"/>
               </a:srgbClr>
@@ -10744,7 +10509,7 @@
           <a:bodyPr wrap="square" rtlCol="0" anchor="ctr"/>
           <a:lstStyle/>
           <a:p>
-            <a:pPr indent="0" marL="0">
+            <a:pPr marL="0" indent="0">
               <a:buNone/>
             </a:pPr>
             <a:endParaRPr lang="en-US" dirty="0"/>
@@ -10774,7 +10539,7 @@
           <a:bodyPr wrap="square" rtlCol="0" anchor="ctr"/>
           <a:lstStyle/>
           <a:p>
-            <a:pPr indent="0" marL="0">
+            <a:pPr marL="0" indent="0">
               <a:buNone/>
             </a:pPr>
             <a:endParaRPr lang="en-US" dirty="0"/>
@@ -10802,7 +10567,7 @@
           <a:bodyPr wrap="square" lIns="0" tIns="0" rIns="0" bIns="0" rtlCol="0" anchor="t"/>
           <a:lstStyle/>
           <a:p>
-            <a:pPr algn="l" indent="0" marL="0">
+            <a:pPr marL="0" indent="0" algn="l">
               <a:buNone/>
             </a:pPr>
             <a:r>
@@ -10841,7 +10606,7 @@
           <a:bodyPr wrap="square" lIns="0" tIns="0" rIns="0" bIns="0" rtlCol="0" anchor="t"/>
           <a:lstStyle/>
           <a:p>
-            <a:pPr algn="l" indent="0" marL="0">
+            <a:pPr marL="0" indent="0" algn="l">
               <a:spcAft>
                 <a:spcPts val="500"/>
               </a:spcAft>
@@ -10883,7 +10648,7 @@
           <a:bodyPr wrap="square" lIns="0" tIns="0" rIns="0" bIns="0" rtlCol="0" anchor="t"/>
           <a:lstStyle/>
           <a:p>
-            <a:pPr algn="l" indent="0" marL="0">
+            <a:pPr marL="0" indent="0" algn="l">
               <a:lnSpc>
                 <a:spcPts val="1300"/>
               </a:lnSpc>
@@ -10900,12 +10665,6 @@
               </a:rPr>
               <a:t>レコードのコンストラクタでリフレクション経由の</a:t>
             </a:r>
-            <a:pPr algn="l" indent="0" marL="0">
-              <a:lnSpc>
-                <a:spcPts val="1300"/>
-              </a:lnSpc>
-              <a:buNone/>
-            </a:pPr>
             <a:r>
               <a:rPr lang="en-US" sz="1000" b="1" dirty="0">
                 <a:solidFill>
@@ -10917,12 +10676,6 @@
               </a:rPr>
               <a:t>ジェネリック型情報</a:t>
             </a:r>
-            <a:pPr algn="l" indent="0" marL="0">
-              <a:lnSpc>
-                <a:spcPts val="1300"/>
-              </a:lnSpc>
-              <a:buNone/>
-            </a:pPr>
             <a:r>
               <a:rPr lang="en-US" sz="1000" dirty="0">
                 <a:solidFill>
@@ -10963,7 +10716,7 @@
           <a:bodyPr wrap="square" rtlCol="0" anchor="ctr"/>
           <a:lstStyle/>
           <a:p>
-            <a:pPr indent="0" marL="0">
+            <a:pPr marL="0" indent="0">
               <a:buNone/>
             </a:pPr>
             <a:endParaRPr lang="en-US" dirty="0"/>
@@ -10991,7 +10744,7 @@
           <a:bodyPr wrap="square" lIns="0" tIns="0" rIns="0" bIns="0" rtlCol="0" anchor="t"/>
           <a:lstStyle/>
           <a:p>
-            <a:pPr algn="l" indent="0" marL="0">
+            <a:pPr marL="0" indent="0" algn="l">
               <a:buNone/>
             </a:pPr>
             <a:r>
@@ -11030,7 +10783,7 @@
           <a:bodyPr wrap="square" rtlCol="0" anchor="ctr"/>
           <a:lstStyle/>
           <a:p>
-            <a:pPr algn="ctr" indent="0" marL="0">
+            <a:pPr marL="0" indent="0" algn="ctr">
               <a:buNone/>
             </a:pPr>
             <a:r>
@@ -11061,6 +10814,7 @@
         <a:solidFill>
           <a:srgbClr val="F4F6F6"/>
         </a:solidFill>
+        <a:effectLst/>
       </p:bgPr>
     </p:bg>
     <p:spTree>
@@ -11100,7 +10854,7 @@
           <a:bodyPr wrap="square" rtlCol="0" anchor="ctr"/>
           <a:lstStyle/>
           <a:p>
-            <a:pPr indent="0" marL="0">
+            <a:pPr marL="0" indent="0">
               <a:buNone/>
             </a:pPr>
             <a:endParaRPr lang="en-US" dirty="0"/>
@@ -11128,7 +10882,7 @@
           <a:bodyPr wrap="square" lIns="0" tIns="0" rIns="0" bIns="0" rtlCol="0" anchor="t"/>
           <a:lstStyle/>
           <a:p>
-            <a:pPr algn="l" indent="0" marL="0">
+            <a:pPr marL="0" indent="0" algn="l">
               <a:buNone/>
             </a:pPr>
             <a:r>
@@ -11167,7 +10921,7 @@
           <a:bodyPr wrap="square" lIns="0" tIns="0" rIns="0" bIns="0" rtlCol="0" anchor="t"/>
           <a:lstStyle/>
           <a:p>
-            <a:pPr algn="l" indent="0" marL="0">
+            <a:pPr marL="0" indent="0" algn="l">
               <a:spcBef>
                 <a:spcPts val="300"/>
               </a:spcBef>
@@ -11207,7 +10961,7 @@
           </a:solidFill>
           <a:ln/>
           <a:effectLst>
-            <a:outerShdw sx="100000" sy="100000" kx="0" ky="0" algn="bl" rotWithShape="0" blurRad="38100" dist="19050" dir="5400000">
+            <a:outerShdw blurRad="38100" dist="19050" dir="5400000" algn="bl" rotWithShape="0">
               <a:srgbClr val="000000">
                 <a:alpha val="10000"/>
               </a:srgbClr>
@@ -11218,7 +10972,7 @@
           <a:bodyPr wrap="square" rtlCol="0" anchor="ctr"/>
           <a:lstStyle/>
           <a:p>
-            <a:pPr indent="0" marL="0">
+            <a:pPr marL="0" indent="0">
               <a:buNone/>
             </a:pPr>
             <a:endParaRPr lang="en-US" dirty="0"/>
@@ -11247,6 +11001,13 @@
             <a:prstDash val="solid"/>
           </a:ln>
         </p:spPr>
+        <p:txBody>
+          <a:bodyPr/>
+          <a:lstStyle/>
+          <a:p>
+            <a:endParaRPr lang="ja-JP" altLang="en-US"/>
+          </a:p>
+        </p:txBody>
       </p:sp>
       <p:sp>
         <p:nvSpPr>
@@ -11269,7 +11030,7 @@
           <a:bodyPr wrap="square" lIns="0" tIns="0" rIns="0" bIns="0" rtlCol="0" anchor="t"/>
           <a:lstStyle/>
           <a:p>
-            <a:pPr algn="l" indent="0" marL="0">
+            <a:pPr marL="0" indent="0" algn="l">
               <a:buNone/>
             </a:pPr>
             <a:r>
@@ -11308,7 +11069,7 @@
           <a:bodyPr wrap="square" lIns="0" tIns="0" rIns="0" bIns="0" rtlCol="0" anchor="t"/>
           <a:lstStyle/>
           <a:p>
-            <a:pPr algn="l" indent="0" marL="0">
+            <a:pPr marL="0" indent="0" algn="l">
               <a:buNone/>
             </a:pPr>
             <a:r>
@@ -11351,7 +11112,7 @@
           <a:bodyPr wrap="square" rtlCol="0" anchor="ctr"/>
           <a:lstStyle/>
           <a:p>
-            <a:pPr indent="0" marL="0">
+            <a:pPr marL="0" indent="0">
               <a:buNone/>
             </a:pPr>
             <a:endParaRPr lang="en-US" dirty="0"/>
@@ -11379,7 +11140,7 @@
           <a:bodyPr wrap="square" lIns="0" tIns="0" rIns="0" bIns="0" rtlCol="0" anchor="t"/>
           <a:lstStyle/>
           <a:p>
-            <a:pPr algn="l" indent="0" marL="0">
+            <a:pPr marL="0" indent="0" algn="l">
               <a:spcAft>
                 <a:spcPts val="300"/>
               </a:spcAft>
@@ -11421,7 +11182,7 @@
           <a:bodyPr wrap="square" lIns="0" tIns="0" rIns="0" bIns="0" rtlCol="0" anchor="t"/>
           <a:lstStyle/>
           <a:p>
-            <a:pPr algn="l" indent="0" marL="0">
+            <a:pPr marL="0" indent="0" algn="l">
               <a:lnSpc>
                 <a:spcPts val="1080"/>
               </a:lnSpc>
@@ -11438,12 +11199,6 @@
               </a:rPr>
               <a:t>Windowsにおけるヘッドレスモード検出を</a:t>
             </a:r>
-            <a:pPr algn="l" indent="0" marL="0">
-              <a:lnSpc>
-                <a:spcPts val="1080"/>
-              </a:lnSpc>
-              <a:buNone/>
-            </a:pPr>
             <a:r>
               <a:rPr lang="en-US" sz="900" b="1" dirty="0">
                 <a:solidFill>
@@ -11484,7 +11239,7 @@
           <a:bodyPr wrap="square" rtlCol="0" anchor="ctr"/>
           <a:lstStyle/>
           <a:p>
-            <a:pPr indent="0" marL="0">
+            <a:pPr marL="0" indent="0">
               <a:buNone/>
             </a:pPr>
             <a:endParaRPr lang="en-US" dirty="0"/>
@@ -11512,7 +11267,7 @@
           <a:bodyPr wrap="square" lIns="0" tIns="0" rIns="0" bIns="0" rtlCol="0" anchor="t"/>
           <a:lstStyle/>
           <a:p>
-            <a:pPr algn="l" indent="0" marL="0">
+            <a:pPr marL="0" indent="0" algn="l">
               <a:spcAft>
                 <a:spcPts val="300"/>
               </a:spcAft>
@@ -11554,7 +11309,7 @@
           <a:bodyPr wrap="square" lIns="0" tIns="0" rIns="0" bIns="0" rtlCol="0" anchor="t"/>
           <a:lstStyle/>
           <a:p>
-            <a:pPr algn="l" indent="0" marL="0">
+            <a:pPr marL="0" indent="0" algn="l">
               <a:lnSpc>
                 <a:spcPts val="1080"/>
               </a:lnSpc>
@@ -11571,12 +11326,6 @@
               </a:rPr>
               <a:t>CI/CDエージェントやサービス環境で</a:t>
             </a:r>
-            <a:pPr algn="l" indent="0" marL="0">
-              <a:lnSpc>
-                <a:spcPts val="1080"/>
-              </a:lnSpc>
-              <a:buNone/>
-            </a:pPr>
             <a:r>
               <a:rPr lang="en-US" sz="900" b="1" dirty="0">
                 <a:solidFill>
@@ -11611,7 +11360,7 @@
           </a:solidFill>
           <a:ln/>
           <a:effectLst>
-            <a:outerShdw sx="100000" sy="100000" kx="0" ky="0" algn="bl" rotWithShape="0" blurRad="38100" dist="19050" dir="5400000">
+            <a:outerShdw blurRad="38100" dist="19050" dir="5400000" algn="bl" rotWithShape="0">
               <a:srgbClr val="000000">
                 <a:alpha val="10000"/>
               </a:srgbClr>
@@ -11622,7 +11371,7 @@
           <a:bodyPr wrap="square" rtlCol="0" anchor="ctr"/>
           <a:lstStyle/>
           <a:p>
-            <a:pPr indent="0" marL="0">
+            <a:pPr marL="0" indent="0">
               <a:buNone/>
             </a:pPr>
             <a:endParaRPr lang="en-US" dirty="0"/>
@@ -11651,6 +11400,13 @@
             <a:prstDash val="solid"/>
           </a:ln>
         </p:spPr>
+        <p:txBody>
+          <a:bodyPr/>
+          <a:lstStyle/>
+          <a:p>
+            <a:endParaRPr lang="ja-JP" altLang="en-US"/>
+          </a:p>
+        </p:txBody>
       </p:sp>
       <p:sp>
         <p:nvSpPr>
@@ -11673,7 +11429,7 @@
           <a:bodyPr wrap="square" lIns="0" tIns="0" rIns="0" bIns="0" rtlCol="0" anchor="t"/>
           <a:lstStyle/>
           <a:p>
-            <a:pPr algn="l" indent="0" marL="0">
+            <a:pPr marL="0" indent="0" algn="l">
               <a:buNone/>
             </a:pPr>
             <a:r>
@@ -11712,7 +11468,7 @@
           <a:bodyPr wrap="square" lIns="0" tIns="0" rIns="0" bIns="0" rtlCol="0" anchor="t"/>
           <a:lstStyle/>
           <a:p>
-            <a:pPr algn="l" indent="0" marL="0">
+            <a:pPr marL="0" indent="0" algn="l">
               <a:buNone/>
             </a:pPr>
             <a:r>
@@ -11755,7 +11511,7 @@
           <a:bodyPr wrap="square" rtlCol="0" anchor="ctr"/>
           <a:lstStyle/>
           <a:p>
-            <a:pPr indent="0" marL="0">
+            <a:pPr marL="0" indent="0">
               <a:buNone/>
             </a:pPr>
             <a:endParaRPr lang="en-US" dirty="0"/>
@@ -11783,7 +11539,7 @@
           <a:bodyPr wrap="square" lIns="0" tIns="0" rIns="0" bIns="0" rtlCol="0" anchor="t"/>
           <a:lstStyle/>
           <a:p>
-            <a:pPr algn="l" indent="0" marL="0">
+            <a:pPr marL="0" indent="0" algn="l">
               <a:spcAft>
                 <a:spcPts val="300"/>
               </a:spcAft>
@@ -11825,7 +11581,7 @@
           <a:bodyPr wrap="square" lIns="0" tIns="0" rIns="0" bIns="0" rtlCol="0" anchor="t"/>
           <a:lstStyle/>
           <a:p>
-            <a:pPr algn="l" indent="0" marL="0">
+            <a:pPr marL="0" indent="0" algn="l">
               <a:lnSpc>
                 <a:spcPts val="1080"/>
               </a:lnSpc>
@@ -11842,12 +11598,6 @@
               </a:rPr>
               <a:t>JNI経由でCOMが</a:t>
             </a:r>
-            <a:pPr algn="l" indent="0" marL="0">
-              <a:lnSpc>
-                <a:spcPts val="1080"/>
-              </a:lnSpc>
-              <a:buNone/>
-            </a:pPr>
             <a:r>
               <a:rPr lang="en-US" sz="900" b="1" dirty="0">
                 <a:solidFill>
@@ -11859,12 +11609,6 @@
               </a:rPr>
               <a:t>COINIT_MULTITHREADED</a:t>
             </a:r>
-            <a:pPr algn="l" indent="0" marL="0">
-              <a:lnSpc>
-                <a:spcPts val="1080"/>
-              </a:lnSpc>
-              <a:buNone/>
-            </a:pPr>
             <a:r>
               <a:rPr lang="en-US" sz="900" dirty="0">
                 <a:solidFill>
@@ -11905,7 +11649,7 @@
           <a:bodyPr wrap="square" rtlCol="0" anchor="ctr"/>
           <a:lstStyle/>
           <a:p>
-            <a:pPr indent="0" marL="0">
+            <a:pPr marL="0" indent="0">
               <a:buNone/>
             </a:pPr>
             <a:endParaRPr lang="en-US" dirty="0"/>
@@ -11933,7 +11677,7 @@
           <a:bodyPr wrap="square" lIns="0" tIns="0" rIns="0" bIns="0" rtlCol="0" anchor="t"/>
           <a:lstStyle/>
           <a:p>
-            <a:pPr algn="l" indent="0" marL="0">
+            <a:pPr marL="0" indent="0" algn="l">
               <a:spcAft>
                 <a:spcPts val="300"/>
               </a:spcAft>
@@ -11975,7 +11719,7 @@
           <a:bodyPr wrap="square" lIns="0" tIns="0" rIns="0" bIns="0" rtlCol="0" anchor="t"/>
           <a:lstStyle/>
           <a:p>
-            <a:pPr algn="l" indent="0" marL="0">
+            <a:pPr marL="0" indent="0" algn="l">
               <a:lnSpc>
                 <a:spcPts val="1080"/>
               </a:lnSpc>
@@ -11992,12 +11736,6 @@
               </a:rPr>
               <a:t>JNI使用Swingアプリの</a:t>
             </a:r>
-            <a:pPr algn="l" indent="0" marL="0">
-              <a:lnSpc>
-                <a:spcPts val="1080"/>
-              </a:lnSpc>
-              <a:buNone/>
-            </a:pPr>
             <a:r>
               <a:rPr lang="en-US" sz="900" b="1" dirty="0">
                 <a:solidFill>
@@ -12009,12 +11747,6 @@
               </a:rPr>
               <a:t>デスクトップ統合機能</a:t>
             </a:r>
-            <a:pPr algn="l" indent="0" marL="0">
-              <a:lnSpc>
-                <a:spcPts val="1080"/>
-              </a:lnSpc>
-              <a:buNone/>
-            </a:pPr>
             <a:r>
               <a:rPr lang="en-US" sz="900" dirty="0">
                 <a:solidFill>
@@ -12051,7 +11783,7 @@
           <a:bodyPr wrap="square" rtlCol="0" anchor="ctr"/>
           <a:lstStyle/>
           <a:p>
-            <a:pPr algn="ctr" indent="0" marL="0">
+            <a:pPr marL="0" indent="0" algn="ctr">
               <a:buNone/>
             </a:pPr>
             <a:r>
@@ -12082,6 +11814,7 @@
         <a:solidFill>
           <a:srgbClr val="F4F6F6"/>
         </a:solidFill>
+        <a:effectLst/>
       </p:bgPr>
     </p:bg>
     <p:spTree>
@@ -12121,7 +11854,7 @@
           <a:bodyPr wrap="square" rtlCol="0" anchor="ctr"/>
           <a:lstStyle/>
           <a:p>
-            <a:pPr indent="0" marL="0">
+            <a:pPr marL="0" indent="0">
               <a:buNone/>
             </a:pPr>
             <a:endParaRPr lang="en-US" dirty="0"/>
@@ -12149,7 +11882,7 @@
           <a:bodyPr wrap="square" lIns="0" tIns="0" rIns="0" bIns="0" rtlCol="0" anchor="t"/>
           <a:lstStyle/>
           <a:p>
-            <a:pPr algn="l" indent="0" marL="0">
+            <a:pPr marL="0" indent="0" algn="l">
               <a:buNone/>
             </a:pPr>
             <a:r>
@@ -12188,7 +11921,7 @@
           <a:bodyPr wrap="square" lIns="0" tIns="0" rIns="0" bIns="0" rtlCol="0" anchor="t"/>
           <a:lstStyle/>
           <a:p>
-            <a:pPr algn="l" indent="0" marL="0">
+            <a:pPr marL="0" indent="0" algn="l">
               <a:spcBef>
                 <a:spcPts val="300"/>
               </a:spcBef>
@@ -12228,7 +11961,7 @@
           </a:solidFill>
           <a:ln/>
           <a:effectLst>
-            <a:outerShdw sx="100000" sy="100000" kx="0" ky="0" algn="bl" rotWithShape="0" blurRad="38100" dist="19050" dir="5400000">
+            <a:outerShdw blurRad="38100" dist="19050" dir="5400000" algn="bl" rotWithShape="0">
               <a:srgbClr val="000000">
                 <a:alpha val="10000"/>
               </a:srgbClr>
@@ -12239,7 +11972,7 @@
           <a:bodyPr wrap="square" rtlCol="0" anchor="ctr"/>
           <a:lstStyle/>
           <a:p>
-            <a:pPr indent="0" marL="0">
+            <a:pPr marL="0" indent="0">
               <a:buNone/>
             </a:pPr>
             <a:endParaRPr lang="en-US" dirty="0"/>
@@ -12268,6 +12001,13 @@
             <a:prstDash val="solid"/>
           </a:ln>
         </p:spPr>
+        <p:txBody>
+          <a:bodyPr/>
+          <a:lstStyle/>
+          <a:p>
+            <a:endParaRPr lang="ja-JP" altLang="en-US"/>
+          </a:p>
+        </p:txBody>
       </p:sp>
       <p:sp>
         <p:nvSpPr>
@@ -12290,7 +12030,7 @@
           <a:bodyPr wrap="square" lIns="0" tIns="0" rIns="0" bIns="0" rtlCol="0" anchor="t"/>
           <a:lstStyle/>
           <a:p>
-            <a:pPr algn="l" indent="0" marL="0">
+            <a:pPr marL="0" indent="0" algn="l">
               <a:buNone/>
             </a:pPr>
             <a:r>
@@ -12329,7 +12069,7 @@
           <a:bodyPr wrap="square" lIns="0" tIns="0" rIns="0" bIns="0" rtlCol="0" anchor="t"/>
           <a:lstStyle/>
           <a:p>
-            <a:pPr algn="l" indent="0" marL="0">
+            <a:pPr marL="0" indent="0" algn="l">
               <a:buNone/>
             </a:pPr>
             <a:r>
@@ -12368,7 +12108,7 @@
           <a:bodyPr wrap="square" lIns="0" tIns="0" rIns="0" bIns="0" rtlCol="0" anchor="t"/>
           <a:lstStyle/>
           <a:p>
-            <a:pPr algn="l" indent="0" marL="0">
+            <a:pPr marL="0" indent="0" algn="l">
               <a:spcAft>
                 <a:spcPts val="400"/>
               </a:spcAft>
@@ -12410,7 +12150,7 @@
           <a:bodyPr wrap="square" lIns="0" tIns="0" rIns="0" bIns="0" rtlCol="0" anchor="t"/>
           <a:lstStyle/>
           <a:p>
-            <a:pPr algn="l" indent="0" marL="0">
+            <a:pPr marL="0" indent="0" algn="l">
               <a:lnSpc>
                 <a:spcPts val="1170"/>
               </a:lnSpc>
@@ -12452,7 +12192,7 @@
           <a:bodyPr wrap="square" lIns="0" tIns="0" rIns="0" bIns="0" rtlCol="0" anchor="t"/>
           <a:lstStyle/>
           <a:p>
-            <a:pPr algn="l" indent="0" marL="0">
+            <a:pPr marL="0" indent="0" algn="l">
               <a:spcAft>
                 <a:spcPts val="400"/>
               </a:spcAft>
@@ -12498,7 +12238,7 @@
           <a:bodyPr wrap="square" rtlCol="0" anchor="ctr"/>
           <a:lstStyle/>
           <a:p>
-            <a:pPr indent="0" marL="0">
+            <a:pPr marL="0" indent="0">
               <a:buNone/>
             </a:pPr>
             <a:endParaRPr lang="en-US" dirty="0"/>
@@ -12526,7 +12266,7 @@
           <a:bodyPr wrap="square" lIns="0" tIns="0" rIns="0" bIns="0" rtlCol="0" anchor="t"/>
           <a:lstStyle/>
           <a:p>
-            <a:pPr algn="l" indent="0" marL="0">
+            <a:pPr marL="0" indent="0" algn="l">
               <a:buNone/>
             </a:pPr>
             <a:r>
@@ -12565,7 +12305,7 @@
           <a:bodyPr wrap="square" lIns="0" tIns="0" rIns="0" bIns="0" rtlCol="0" anchor="t"/>
           <a:lstStyle/>
           <a:p>
-            <a:pPr algn="l" indent="0" marL="0">
+            <a:pPr marL="0" indent="0" algn="l">
               <a:buNone/>
             </a:pPr>
             <a:r>
@@ -12608,7 +12348,7 @@
           <a:bodyPr wrap="square" rtlCol="0" anchor="ctr"/>
           <a:lstStyle/>
           <a:p>
-            <a:pPr indent="0" marL="0">
+            <a:pPr marL="0" indent="0">
               <a:buNone/>
             </a:pPr>
             <a:endParaRPr lang="en-US" dirty="0"/>
@@ -12636,7 +12376,7 @@
           <a:bodyPr wrap="square" lIns="0" tIns="0" rIns="0" bIns="0" rtlCol="0" anchor="t"/>
           <a:lstStyle/>
           <a:p>
-            <a:pPr algn="l" indent="0" marL="0">
+            <a:pPr marL="0" indent="0" algn="l">
               <a:spcAft>
                 <a:spcPts val="500"/>
               </a:spcAft>
@@ -12678,7 +12418,7 @@
           <a:bodyPr wrap="square" lIns="0" tIns="0" rIns="0" bIns="0" rtlCol="0" anchor="t"/>
           <a:lstStyle/>
           <a:p>
-            <a:pPr algn="l" indent="0" marL="0">
+            <a:pPr marL="0" indent="0" algn="l">
               <a:lnSpc>
                 <a:spcPts val="1170"/>
               </a:lnSpc>
@@ -12720,7 +12460,7 @@
           <a:bodyPr wrap="square" rtlCol="0" anchor="ctr"/>
           <a:lstStyle/>
           <a:p>
-            <a:pPr algn="ctr" indent="0" marL="0">
+            <a:pPr marL="0" indent="0" algn="ctr">
               <a:buNone/>
             </a:pPr>
             <a:r>
@@ -13036,4 +12776,319 @@
     </a:ext>
   </a:extLst>
 </a:theme>
+</file>
+
+<file path=ppt/theme/theme2.xml><?xml version="1.0" encoding="utf-8"?>
+<a:theme xmlns:a="http://schemas.openxmlformats.org/drawingml/2006/main" name="Office テーマ">
+  <a:themeElements>
+    <a:clrScheme name="Office">
+      <a:dk1>
+        <a:sysClr val="windowText" lastClr="000000"/>
+      </a:dk1>
+      <a:lt1>
+        <a:sysClr val="window" lastClr="FFFFFF"/>
+      </a:lt1>
+      <a:dk2>
+        <a:srgbClr val="0E2841"/>
+      </a:dk2>
+      <a:lt2>
+        <a:srgbClr val="E8E8E8"/>
+      </a:lt2>
+      <a:accent1>
+        <a:srgbClr val="156082"/>
+      </a:accent1>
+      <a:accent2>
+        <a:srgbClr val="E97132"/>
+      </a:accent2>
+      <a:accent3>
+        <a:srgbClr val="196B24"/>
+      </a:accent3>
+      <a:accent4>
+        <a:srgbClr val="0F9ED5"/>
+      </a:accent4>
+      <a:accent5>
+        <a:srgbClr val="A02B93"/>
+      </a:accent5>
+      <a:accent6>
+        <a:srgbClr val="4EA72E"/>
+      </a:accent6>
+      <a:hlink>
+        <a:srgbClr val="467886"/>
+      </a:hlink>
+      <a:folHlink>
+        <a:srgbClr val="96607D"/>
+      </a:folHlink>
+    </a:clrScheme>
+    <a:fontScheme name="Office">
+      <a:majorFont>
+        <a:latin typeface="游ゴシック Light" panose="02110004020202020204"/>
+        <a:ea typeface=""/>
+        <a:cs typeface=""/>
+        <a:font script="Jpan" typeface="游ゴシック Light"/>
+        <a:font script="Hang" typeface="맑은 고딕"/>
+        <a:font script="Hans" typeface="等线 Light"/>
+        <a:font script="Hant" typeface="新細明體"/>
+        <a:font script="Arab" typeface="Times New Roman"/>
+        <a:font script="Hebr" typeface="Times New Roman"/>
+        <a:font script="Thai" typeface="Angsana New"/>
+        <a:font script="Ethi" typeface="Nyala"/>
+        <a:font script="Beng" typeface="Vrinda"/>
+        <a:font script="Gujr" typeface="Shruti"/>
+        <a:font script="Khmr" typeface="MoolBoran"/>
+        <a:font script="Knda" typeface="Tunga"/>
+        <a:font script="Guru" typeface="Raavi"/>
+        <a:font script="Cans" typeface="Euphemia"/>
+        <a:font script="Cher" typeface="Plantagenet Cherokee"/>
+        <a:font script="Yiii" typeface="Microsoft Yi Baiti"/>
+        <a:font script="Tibt" typeface="Microsoft Himalaya"/>
+        <a:font script="Thaa" typeface="MV Boli"/>
+        <a:font script="Deva" typeface="Mangal"/>
+        <a:font script="Telu" typeface="Gautami"/>
+        <a:font script="Taml" typeface="Latha"/>
+        <a:font script="Syrc" typeface="Estrangelo Edessa"/>
+        <a:font script="Orya" typeface="Kalinga"/>
+        <a:font script="Mlym" typeface="Kartika"/>
+        <a:font script="Laoo" typeface="DokChampa"/>
+        <a:font script="Sinh" typeface="Iskoola Pota"/>
+        <a:font script="Mong" typeface="Mongolian Baiti"/>
+        <a:font script="Viet" typeface="Times New Roman"/>
+        <a:font script="Uigh" typeface="Microsoft Uighur"/>
+        <a:font script="Geor" typeface="Sylfaen"/>
+        <a:font script="Armn" typeface="Arial"/>
+        <a:font script="Bugi" typeface="Leelawadee UI"/>
+        <a:font script="Bopo" typeface="Microsoft JhengHei"/>
+        <a:font script="Java" typeface="Javanese Text"/>
+        <a:font script="Lisu" typeface="Segoe UI"/>
+        <a:font script="Mymr" typeface="Myanmar Text"/>
+        <a:font script="Nkoo" typeface="Ebrima"/>
+        <a:font script="Olck" typeface="Nirmala UI"/>
+        <a:font script="Osma" typeface="Ebrima"/>
+        <a:font script="Phag" typeface="Phagspa"/>
+        <a:font script="Syrn" typeface="Estrangelo Edessa"/>
+        <a:font script="Syrj" typeface="Estrangelo Edessa"/>
+        <a:font script="Syre" typeface="Estrangelo Edessa"/>
+        <a:font script="Sora" typeface="Nirmala UI"/>
+        <a:font script="Tale" typeface="Microsoft Tai Le"/>
+        <a:font script="Talu" typeface="Microsoft New Tai Lue"/>
+        <a:font script="Tfng" typeface="Ebrima"/>
+      </a:majorFont>
+      <a:minorFont>
+        <a:latin typeface="游ゴシック" panose="02110004020202020204"/>
+        <a:ea typeface=""/>
+        <a:cs typeface=""/>
+        <a:font script="Jpan" typeface="游ゴシック"/>
+        <a:font script="Hang" typeface="맑은 고딕"/>
+        <a:font script="Hans" typeface="等线"/>
+        <a:font script="Hant" typeface="新細明體"/>
+        <a:font script="Arab" typeface="Arial"/>
+        <a:font script="Hebr" typeface="Arial"/>
+        <a:font script="Thai" typeface="Cordia New"/>
+        <a:font script="Ethi" typeface="Nyala"/>
+        <a:font script="Beng" typeface="Vrinda"/>
+        <a:font script="Gujr" typeface="Shruti"/>
+        <a:font script="Khmr" typeface="DaunPenh"/>
+        <a:font script="Knda" typeface="Tunga"/>
+        <a:font script="Guru" typeface="Raavi"/>
+        <a:font script="Cans" typeface="Euphemia"/>
+        <a:font script="Cher" typeface="Plantagenet Cherokee"/>
+        <a:font script="Yiii" typeface="Microsoft Yi Baiti"/>
+        <a:font script="Tibt" typeface="Microsoft Himalaya"/>
+        <a:font script="Thaa" typeface="MV Boli"/>
+        <a:font script="Deva" typeface="Mangal"/>
+        <a:font script="Telu" typeface="Gautami"/>
+        <a:font script="Taml" typeface="Latha"/>
+        <a:font script="Syrc" typeface="Estrangelo Edessa"/>
+        <a:font script="Orya" typeface="Kalinga"/>
+        <a:font script="Mlym" typeface="Kartika"/>
+        <a:font script="Laoo" typeface="DokChampa"/>
+        <a:font script="Sinh" typeface="Iskoola Pota"/>
+        <a:font script="Mong" typeface="Mongolian Baiti"/>
+        <a:font script="Viet" typeface="Arial"/>
+        <a:font script="Uigh" typeface="Microsoft Uighur"/>
+        <a:font script="Geor" typeface="Sylfaen"/>
+        <a:font script="Armn" typeface="Arial"/>
+        <a:font script="Bugi" typeface="Leelawadee UI"/>
+        <a:font script="Bopo" typeface="Microsoft JhengHei"/>
+        <a:font script="Java" typeface="Javanese Text"/>
+        <a:font script="Lisu" typeface="Segoe UI"/>
+        <a:font script="Mymr" typeface="Myanmar Text"/>
+        <a:font script="Nkoo" typeface="Ebrima"/>
+        <a:font script="Olck" typeface="Nirmala UI"/>
+        <a:font script="Osma" typeface="Ebrima"/>
+        <a:font script="Phag" typeface="Phagspa"/>
+        <a:font script="Syrn" typeface="Estrangelo Edessa"/>
+        <a:font script="Syrj" typeface="Estrangelo Edessa"/>
+        <a:font script="Syre" typeface="Estrangelo Edessa"/>
+        <a:font script="Sora" typeface="Nirmala UI"/>
+        <a:font script="Tale" typeface="Microsoft Tai Le"/>
+        <a:font script="Talu" typeface="Microsoft New Tai Lue"/>
+        <a:font script="Tfng" typeface="Ebrima"/>
+      </a:minorFont>
+    </a:fontScheme>
+    <a:fmtScheme name="Office">
+      <a:fillStyleLst>
+        <a:solidFill>
+          <a:schemeClr val="phClr"/>
+        </a:solidFill>
+        <a:gradFill rotWithShape="1">
+          <a:gsLst>
+            <a:gs pos="0">
+              <a:schemeClr val="phClr">
+                <a:lumMod val="110000"/>
+                <a:satMod val="105000"/>
+                <a:tint val="67000"/>
+              </a:schemeClr>
+            </a:gs>
+            <a:gs pos="50000">
+              <a:schemeClr val="phClr">
+                <a:lumMod val="105000"/>
+                <a:satMod val="103000"/>
+                <a:tint val="73000"/>
+              </a:schemeClr>
+            </a:gs>
+            <a:gs pos="100000">
+              <a:schemeClr val="phClr">
+                <a:lumMod val="105000"/>
+                <a:satMod val="109000"/>
+                <a:tint val="81000"/>
+              </a:schemeClr>
+            </a:gs>
+          </a:gsLst>
+          <a:lin ang="5400000" scaled="0"/>
+        </a:gradFill>
+        <a:gradFill rotWithShape="1">
+          <a:gsLst>
+            <a:gs pos="0">
+              <a:schemeClr val="phClr">
+                <a:satMod val="103000"/>
+                <a:lumMod val="102000"/>
+                <a:tint val="94000"/>
+              </a:schemeClr>
+            </a:gs>
+            <a:gs pos="50000">
+              <a:schemeClr val="phClr">
+                <a:satMod val="110000"/>
+                <a:lumMod val="100000"/>
+                <a:shade val="100000"/>
+              </a:schemeClr>
+            </a:gs>
+            <a:gs pos="100000">
+              <a:schemeClr val="phClr">
+                <a:lumMod val="99000"/>
+                <a:satMod val="120000"/>
+                <a:shade val="78000"/>
+              </a:schemeClr>
+            </a:gs>
+          </a:gsLst>
+          <a:lin ang="5400000" scaled="0"/>
+        </a:gradFill>
+      </a:fillStyleLst>
+      <a:lnStyleLst>
+        <a:ln w="12700" cap="flat" cmpd="sng" algn="ctr">
+          <a:solidFill>
+            <a:schemeClr val="phClr"/>
+          </a:solidFill>
+          <a:prstDash val="solid"/>
+          <a:miter lim="800000"/>
+        </a:ln>
+        <a:ln w="19050" cap="flat" cmpd="sng" algn="ctr">
+          <a:solidFill>
+            <a:schemeClr val="phClr"/>
+          </a:solidFill>
+          <a:prstDash val="solid"/>
+          <a:miter lim="800000"/>
+        </a:ln>
+        <a:ln w="25400" cap="flat" cmpd="sng" algn="ctr">
+          <a:solidFill>
+            <a:schemeClr val="phClr"/>
+          </a:solidFill>
+          <a:prstDash val="solid"/>
+          <a:miter lim="800000"/>
+        </a:ln>
+      </a:lnStyleLst>
+      <a:effectStyleLst>
+        <a:effectStyle>
+          <a:effectLst/>
+        </a:effectStyle>
+        <a:effectStyle>
+          <a:effectLst/>
+        </a:effectStyle>
+        <a:effectStyle>
+          <a:effectLst>
+            <a:outerShdw blurRad="57150" dist="19050" dir="5400000" algn="ctr" rotWithShape="0">
+              <a:srgbClr val="000000">
+                <a:alpha val="63000"/>
+              </a:srgbClr>
+            </a:outerShdw>
+          </a:effectLst>
+        </a:effectStyle>
+      </a:effectStyleLst>
+      <a:bgFillStyleLst>
+        <a:solidFill>
+          <a:schemeClr val="phClr"/>
+        </a:solidFill>
+        <a:solidFill>
+          <a:schemeClr val="phClr">
+            <a:tint val="95000"/>
+            <a:satMod val="170000"/>
+          </a:schemeClr>
+        </a:solidFill>
+        <a:gradFill rotWithShape="1">
+          <a:gsLst>
+            <a:gs pos="0">
+              <a:schemeClr val="phClr">
+                <a:tint val="93000"/>
+                <a:satMod val="150000"/>
+                <a:shade val="98000"/>
+                <a:lumMod val="102000"/>
+              </a:schemeClr>
+            </a:gs>
+            <a:gs pos="50000">
+              <a:schemeClr val="phClr">
+                <a:tint val="98000"/>
+                <a:satMod val="130000"/>
+                <a:shade val="90000"/>
+                <a:lumMod val="103000"/>
+              </a:schemeClr>
+            </a:gs>
+            <a:gs pos="100000">
+              <a:schemeClr val="phClr">
+                <a:shade val="63000"/>
+                <a:satMod val="120000"/>
+              </a:schemeClr>
+            </a:gs>
+          </a:gsLst>
+          <a:lin ang="5400000" scaled="0"/>
+        </a:gradFill>
+      </a:bgFillStyleLst>
+    </a:fmtScheme>
+  </a:themeElements>
+  <a:objectDefaults>
+    <a:lnDef>
+      <a:spPr/>
+      <a:bodyPr/>
+      <a:lstStyle/>
+      <a:style>
+        <a:lnRef idx="2">
+          <a:schemeClr val="accent1"/>
+        </a:lnRef>
+        <a:fillRef idx="0">
+          <a:schemeClr val="accent1"/>
+        </a:fillRef>
+        <a:effectRef idx="1">
+          <a:schemeClr val="accent1"/>
+        </a:effectRef>
+        <a:fontRef idx="minor">
+          <a:schemeClr val="tx1"/>
+        </a:fontRef>
+      </a:style>
+    </a:lnDef>
+  </a:objectDefaults>
+  <a:extraClrSchemeLst/>
+  <a:extLst>
+    <a:ext uri="{05A4C25C-085E-4340-85A3-A5531E510DB2}">
+      <thm15:themeFamily xmlns:thm15="http://schemas.microsoft.com/office/thememl/2012/main" name="Office Theme" id="{2E142A2C-CD16-42D6-873A-C26D2A0506FA}" vid="{1BDDFF52-6CD6-40A5-AB3C-68EB2F1E4D0A}"/>
+    </a:ext>
+  </a:extLst>
+</a:theme>
 </file>